--- a/final_report.pptx
+++ b/final_report.pptx
@@ -3278,6 +3278,14 @@
             <a:endParaRPr/>
           </a:p>
           <a:p>
+            <a:pPr algn="l">
+              <a:lnSpc>
+                <a:spcPct val="100000"/>
+              </a:lnSpc>
+              <a:spcBef>
+                <a:spcPts val="606"/>
+              </a:spcBef>
+            </a:pPr>
             <a:r>
               <a:rPr sz="900" b="1">
                 <a:solidFill>
@@ -3288,7 +3296,14 @@
             </a:r>
           </a:p>
           <a:p>
-            <a:pPr algn="just"/>
+            <a:pPr algn="just">
+              <a:lnSpc>
+                <a:spcPct val="100000"/>
+              </a:lnSpc>
+              <a:spcBef>
+                <a:spcPts val="606"/>
+              </a:spcBef>
+            </a:pPr>
             <a:r>
               <a:rPr sz="900">
                 <a:solidFill>
@@ -3298,28 +3313,23 @@
               <a:t>■ </a:t>
             </a:r>
             <a:r>
-              <a:rPr sz="900" b="1">
-                <a:solidFill>
-                  <a:srgbClr val="000000"/>
-                </a:solidFill>
-              </a:rPr>
+              <a:rPr sz="900" b="1"/>
               <a:t>Cash and Cash Equivalents</a:t>
             </a:r>
             <a:r>
               <a:rPr sz="900"/>
-              <a:t> - </a:t>
-            </a:r>
-            <a:r>
-              <a:rPr sz="900" b="0">
-                <a:solidFill>
-                  <a:srgbClr val="000000"/>
-                </a:solidFill>
-              </a:rPr>
-              <a:t>Currency in checking/savings accounts Short-term Treasury bills (maturing &lt;3 months) Commercial paper from AAA-rated corporations Money market funds with daily liquidity Petty cash reserves for office expenses Foreign currency holdings in major currencies Undeposited checks from customers Cash in transit between bank accounts</a:t>
-            </a:r>
-          </a:p>
-          <a:p>
-            <a:pPr algn="just"/>
+              <a:t> - Currency in checking/savings accounts Short-term Treasury bills (maturing &lt;3 months) Commercial paper from AAA-rated corporations Money market funds with daily liquidity Petty cash reserves for office expenses Foreign currency holdings in major currencies Undeposited checks from customers Cash in transit between bank accounts</a:t>
+            </a:r>
+          </a:p>
+          <a:p>
+            <a:pPr algn="just">
+              <a:lnSpc>
+                <a:spcPct val="100000"/>
+              </a:lnSpc>
+              <a:spcBef>
+                <a:spcPts val="606"/>
+              </a:spcBef>
+            </a:pPr>
             <a:r>
               <a:rPr sz="900">
                 <a:solidFill>
@@ -3329,28 +3339,23 @@
               <a:t>■ </a:t>
             </a:r>
             <a:r>
-              <a:rPr sz="900" b="1">
-                <a:solidFill>
-                  <a:srgbClr val="000000"/>
-                </a:solidFill>
-              </a:rPr>
+              <a:rPr sz="900" b="1"/>
               <a:t>Marketable Securities</a:t>
             </a:r>
             <a:r>
               <a:rPr sz="900"/>
-              <a:t> - </a:t>
-            </a:r>
-            <a:r>
-              <a:rPr sz="900" b="0">
-                <a:solidFill>
-                  <a:srgbClr val="000000"/>
-                </a:solidFill>
-              </a:rPr>
-              <a:t>Corporate bonds with &lt;1yr maturity Government agency securities Certificates of deposit (CDs) Bankers' acceptances Commercial paper holdings Treasury notes maturing within 12 months Highly liquid ETF positions</a:t>
-            </a:r>
-          </a:p>
-          <a:p>
-            <a:pPr algn="just"/>
+              <a:t> - Corporate bonds with &lt;1yr maturity Government agency securities Certificates of deposit (CDs) Bankers' acceptances Commercial paper holdings Treasury notes maturing within 12 months Highly liquid ETF positions</a:t>
+            </a:r>
+          </a:p>
+          <a:p>
+            <a:pPr algn="just">
+              <a:lnSpc>
+                <a:spcPct val="100000"/>
+              </a:lnSpc>
+              <a:spcBef>
+                <a:spcPts val="606"/>
+              </a:spcBef>
+            </a:pPr>
             <a:r>
               <a:rPr sz="900">
                 <a:solidFill>
@@ -3360,27 +3365,23 @@
               <a:t>■ </a:t>
             </a:r>
             <a:r>
-              <a:rPr sz="900" b="1">
-                <a:solidFill>
-                  <a:srgbClr val="000000"/>
-                </a:solidFill>
-              </a:rPr>
+              <a:rPr sz="900" b="1"/>
               <a:t>Accounts Receivable</a:t>
             </a:r>
             <a:r>
               <a:rPr sz="900"/>
-              <a:t> - </a:t>
-            </a:r>
-            <a:r>
-              <a:rPr sz="900" b="0">
-                <a:solidFill>
-                  <a:srgbClr val="000000"/>
-                </a:solidFill>
-              </a:rPr>
-              <a:t>Trade receivables from normal operations Installment receivables from long-term contracts Receivables from affiliated companies Allowance for doubtful accounts calculation Aging schedule analysis (30/60/90 days) Credit memo adjustments Factored receivables disclosure Unbilled receivables from progress contracts</a:t>
-            </a:r>
-          </a:p>
-          <a:p>
+              <a:t> - Trade receivables from normal operations Installment receivables from long-term contracts Receivables from affiliated companies Allowance for doubtful accounts calculation Aging schedule analysis (30/60/90 days) Credit memo adjustments Factored receivables disclosure Unbilled receivables from progress contracts</a:t>
+            </a:r>
+          </a:p>
+          <a:p>
+            <a:pPr algn="l">
+              <a:lnSpc>
+                <a:spcPct val="100000"/>
+              </a:lnSpc>
+              <a:spcBef>
+                <a:spcPts val="606"/>
+              </a:spcBef>
+            </a:pPr>
             <a:r>
               <a:rPr sz="900" b="1">
                 <a:solidFill>
@@ -3391,7 +3392,14 @@
             </a:r>
           </a:p>
           <a:p>
-            <a:pPr algn="just"/>
+            <a:pPr algn="just">
+              <a:lnSpc>
+                <a:spcPct val="100000"/>
+              </a:lnSpc>
+              <a:spcBef>
+                <a:spcPts val="606"/>
+              </a:spcBef>
+            </a:pPr>
             <a:r>
               <a:rPr sz="900">
                 <a:solidFill>
@@ -3401,24 +3409,12 @@
               <a:t>■ </a:t>
             </a:r>
             <a:r>
-              <a:rPr sz="900" b="1">
-                <a:solidFill>
-                  <a:srgbClr val="000000"/>
-                </a:solidFill>
-              </a:rPr>
+              <a:rPr sz="900" b="1"/>
               <a:t>Property, Plant &amp; Equipment</a:t>
             </a:r>
             <a:r>
               <a:rPr sz="900"/>
-              <a:t> - </a:t>
-            </a:r>
-            <a:r>
-              <a:rPr sz="900" b="0">
-                <a:solidFill>
-                  <a:srgbClr val="000000"/>
-                </a:solidFill>
-              </a:rPr>
-              <a:t>Land acquisition costs (original purchase) Building improvements capitalization Machinery installation costs Equipment depreciation schedules Leasehold improvement amortization Construction-in-progress accounts Capitalized interest during construction</a:t>
+              <a:t> - Land acquisition costs (original purchase) Building improvements capitalization Machinery installation costs Equipment depreciation schedules Leasehold improvement amortization Construction-in-progress accounts Capitalized interest during construction</a:t>
             </a:r>
           </a:p>
         </p:txBody>
@@ -3450,17 +3446,16 @@
           </a:solidFill>
         </p:spPr>
         <p:txBody>
-          <a:bodyPr wrap="square" anchor="t" tIns="0" bIns="0"/>
+          <a:bodyPr wrap="square" anchor="t">
+            <a:normAutofit/>
+          </a:bodyPr>
           <a:lstStyle/>
           <a:p>
             <a:endParaRPr/>
           </a:p>
           <a:p>
             <a:pPr algn="just">
-              <a:spcBef>
-                <a:spcPts val="400"/>
-              </a:spcBef>
-              <a:ind left="64008"/>
+              <a:ind left="0"/>
             </a:pPr>
             <a:r>
               <a:rPr sz="900" b="1">
@@ -3469,194 +3464,7 @@
                 </a:solidFill>
                 <a:latin typeface="Arial"/>
               </a:rPr>
-              <a:t>The company demonstrates strong financial health</a:t>
-            </a:r>
-          </a:p>
-          <a:p>
-            <a:pPr algn="just">
-              <a:spcBef>
-                <a:spcPts val="400"/>
-              </a:spcBef>
-              <a:ind left="64008"/>
-            </a:pPr>
-            <a:r>
-              <a:rPr sz="900" b="1">
-                <a:solidFill>
-                  <a:srgbClr val="FFFFFF"/>
-                </a:solidFill>
-                <a:latin typeface="Arial"/>
-              </a:rPr>
-              <a:t>with total assets of $180 million, liabilities of</a:t>
-            </a:r>
-          </a:p>
-          <a:p>
-            <a:pPr algn="just">
-              <a:spcBef>
-                <a:spcPts val="400"/>
-              </a:spcBef>
-              <a:ind left="64008"/>
-            </a:pPr>
-            <a:r>
-              <a:rPr sz="900" b="1">
-                <a:solidFill>
-                  <a:srgbClr val="FFFFFF"/>
-                </a:solidFill>
-                <a:latin typeface="Arial"/>
-              </a:rPr>
-              <a:t>$75 million, and shareholders' equity of $105</a:t>
-            </a:r>
-          </a:p>
-          <a:p>
-            <a:pPr algn="just">
-              <a:spcBef>
-                <a:spcPts val="400"/>
-              </a:spcBef>
-              <a:ind left="64008"/>
-            </a:pPr>
-            <a:r>
-              <a:rPr sz="900" b="1">
-                <a:solidFill>
-                  <a:srgbClr val="FFFFFF"/>
-                </a:solidFill>
-                <a:latin typeface="Arial"/>
-              </a:rPr>
-              <a:t>million. Current assets including $45 million cash</a:t>
-            </a:r>
-          </a:p>
-          <a:p>
-            <a:pPr algn="just">
-              <a:spcBef>
-                <a:spcPts val="400"/>
-              </a:spcBef>
-              <a:ind left="64008"/>
-            </a:pPr>
-            <a:r>
-              <a:rPr sz="900" b="1">
-                <a:solidFill>
-                  <a:srgbClr val="FFFFFF"/>
-                </a:solidFill>
-                <a:latin typeface="Arial"/>
-              </a:rPr>
-              <a:t>and $30 million receivables provide ample</a:t>
-            </a:r>
-          </a:p>
-          <a:p>
-            <a:pPr algn="just">
-              <a:spcBef>
-                <a:spcPts val="400"/>
-              </a:spcBef>
-              <a:ind left="64008"/>
-            </a:pPr>
-            <a:r>
-              <a:rPr sz="900" b="1">
-                <a:solidFill>
-                  <a:srgbClr val="FFFFFF"/>
-                </a:solidFill>
-                <a:latin typeface="Arial"/>
-              </a:rPr>
-              <a:t>liquidity to cover short-term obligations of $50</a:t>
-            </a:r>
-          </a:p>
-          <a:p>
-            <a:pPr algn="just">
-              <a:spcBef>
-                <a:spcPts val="400"/>
-              </a:spcBef>
-              <a:ind left="64008"/>
-            </a:pPr>
-            <a:r>
-              <a:rPr sz="900" b="1">
-                <a:solidFill>
-                  <a:srgbClr val="FFFFFF"/>
-                </a:solidFill>
-                <a:latin typeface="Arial"/>
-              </a:rPr>
-              <a:t>million. Long-term investments in property and</a:t>
-            </a:r>
-          </a:p>
-          <a:p>
-            <a:pPr algn="just">
-              <a:spcBef>
-                <a:spcPts val="400"/>
-              </a:spcBef>
-              <a:ind left="64008"/>
-            </a:pPr>
-            <a:r>
-              <a:rPr sz="900" b="1">
-                <a:solidFill>
-                  <a:srgbClr val="FFFFFF"/>
-                </a:solidFill>
-                <a:latin typeface="Arial"/>
-              </a:rPr>
-              <a:t>equipment total $90 million, supported by</a:t>
-            </a:r>
-          </a:p>
-          <a:p>
-            <a:pPr algn="just">
-              <a:spcBef>
-                <a:spcPts val="400"/>
-              </a:spcBef>
-              <a:ind left="64008"/>
-            </a:pPr>
-            <a:r>
-              <a:rPr sz="900" b="1">
-                <a:solidFill>
-                  <a:srgbClr val="FFFFFF"/>
-                </a:solidFill>
-                <a:latin typeface="Arial"/>
-              </a:rPr>
-              <a:t>conservative debt levels with a debt-to-equity</a:t>
-            </a:r>
-          </a:p>
-          <a:p>
-            <a:pPr algn="just">
-              <a:spcBef>
-                <a:spcPts val="400"/>
-              </a:spcBef>
-              <a:ind left="64008"/>
-            </a:pPr>
-            <a:r>
-              <a:rPr sz="900" b="1">
-                <a:solidFill>
-                  <a:srgbClr val="FFFFFF"/>
-                </a:solidFill>
-                <a:latin typeface="Arial"/>
-              </a:rPr>
-              <a:t>ratio of 0.71. Retained earnings of $80 million</a:t>
-            </a:r>
-          </a:p>
-          <a:p>
-            <a:pPr algn="just">
-              <a:spcBef>
-                <a:spcPts val="400"/>
-              </a:spcBef>
-              <a:ind left="64008"/>
-            </a:pPr>
-            <a:r>
-              <a:rPr sz="900" b="1">
-                <a:solidFill>
-                  <a:srgbClr val="FFFFFF"/>
-                </a:solidFill>
-                <a:latin typeface="Arial"/>
-              </a:rPr>
-              <a:t>reflect consistent profitability and prudent</a:t>
-            </a:r>
-          </a:p>
-          <a:p>
-            <a:pPr algn="just">
-              <a:spcBef>
-                <a:spcPts val="400"/>
-              </a:spcBef>
-              <a:ind left="64008"/>
-            </a:pPr>
-            <a:r>
-              <a:rPr sz="900" b="1">
-                <a:solidFill>
-                  <a:srgbClr val="FFFFFF"/>
-                </a:solidFill>
-                <a:latin typeface="Arial"/>
-              </a:rPr>
-              <a:t>dividend policies. The balance sheet structure</a:t>
+              <a:t>The company demonstrates strong financial health with total assets of $180 million, liabilities of $75 million, and shareholders' equity of $105 million. Current assets including $45 million cash and $30 million receivables provide ample liquidity to cover short-term obligations of $50 million. Long-term investments in property and equipment total $90 million, supported by conservative debt levels with a debt-to-equity ratio of 0.71. Retained earnings of $80 million reflect consistent profitability and prudent dividend policies. The balance sheet structure</a:t>
             </a:r>
           </a:p>
         </p:txBody>
@@ -3713,6 +3521,14 @@
             <a:endParaRPr/>
           </a:p>
           <a:p>
+            <a:pPr algn="l">
+              <a:lnSpc>
+                <a:spcPct val="100000"/>
+              </a:lnSpc>
+              <a:spcBef>
+                <a:spcPts val="606"/>
+              </a:spcBef>
+            </a:pPr>
             <a:r>
               <a:rPr sz="900" b="1">
                 <a:solidFill>
@@ -3723,7 +3539,14 @@
             </a:r>
           </a:p>
           <a:p>
-            <a:pPr algn="just"/>
+            <a:pPr algn="just">
+              <a:lnSpc>
+                <a:spcPct val="100000"/>
+              </a:lnSpc>
+              <a:spcBef>
+                <a:spcPts val="606"/>
+              </a:spcBef>
+            </a:pPr>
             <a:r>
               <a:rPr sz="900">
                 <a:solidFill>
@@ -3733,28 +3556,23 @@
               <a:t>■ </a:t>
             </a:r>
             <a:r>
-              <a:rPr sz="900" b="1">
-                <a:solidFill>
-                  <a:srgbClr val="000000"/>
-                </a:solidFill>
-              </a:rPr>
+              <a:rPr sz="900" b="1"/>
               <a:t>Intangible Assets</a:t>
             </a:r>
             <a:r>
               <a:rPr sz="900"/>
-              <a:t> - </a:t>
-            </a:r>
-            <a:r>
-              <a:rPr sz="900" b="0">
-                <a:solidFill>
-                  <a:srgbClr val="000000"/>
-                </a:solidFill>
-              </a:rPr>
-              <a:t>Patent acquisition and amortization Trademark registration/maintenance costs Customer list valuations Non-compete agreement valuations Software development costs Licensing agreements fair value Goodwill impairment testing methodology</a:t>
-            </a:r>
-          </a:p>
-          <a:p>
-            <a:pPr algn="just"/>
+              <a:t> - Patent acquisition and amortization Trademark registration/maintenance costs Customer list valuations Non-compete agreement valuations Software development costs Licensing agreements fair value Goodwill impairment testing methodology</a:t>
+            </a:r>
+          </a:p>
+          <a:p>
+            <a:pPr algn="just">
+              <a:lnSpc>
+                <a:spcPct val="100000"/>
+              </a:lnSpc>
+              <a:spcBef>
+                <a:spcPts val="606"/>
+              </a:spcBef>
+            </a:pPr>
             <a:r>
               <a:rPr sz="900">
                 <a:solidFill>
@@ -3764,27 +3582,23 @@
               <a:t>■ </a:t>
             </a:r>
             <a:r>
-              <a:rPr sz="900" b="1">
-                <a:solidFill>
-                  <a:srgbClr val="000000"/>
-                </a:solidFill>
-              </a:rPr>
+              <a:rPr sz="900" b="1"/>
               <a:t>Long-Term Investments</a:t>
             </a:r>
             <a:r>
               <a:rPr sz="900"/>
-              <a:t> - </a:t>
-            </a:r>
-            <a:r>
-              <a:rPr sz="900" b="0">
-                <a:solidFill>
-                  <a:srgbClr val="000000"/>
-                </a:solidFill>
-              </a:rPr>
-              <a:t>Held-to-maturity securities portfolio Equity method investment accounting Real estate held for appreciation Venture capital fund investments Convertible debt instruments Restricted stock holdings Investments in subsidiaries</a:t>
-            </a:r>
-          </a:p>
-          <a:p>
+              <a:t> - Held-to-maturity securities portfolio Equity method investment accounting Real estate held for appreciation Venture capital fund investments Convertible debt instruments Restricted stock holdings Investments in subsidiaries</a:t>
+            </a:r>
+          </a:p>
+          <a:p>
+            <a:pPr algn="l">
+              <a:lnSpc>
+                <a:spcPct val="100000"/>
+              </a:lnSpc>
+              <a:spcBef>
+                <a:spcPts val="606"/>
+              </a:spcBef>
+            </a:pPr>
             <a:r>
               <a:rPr sz="900" b="1">
                 <a:solidFill>
@@ -3795,7 +3609,14 @@
             </a:r>
           </a:p>
           <a:p>
-            <a:pPr algn="just"/>
+            <a:pPr algn="just">
+              <a:lnSpc>
+                <a:spcPct val="100000"/>
+              </a:lnSpc>
+              <a:spcBef>
+                <a:spcPts val="606"/>
+              </a:spcBef>
+            </a:pPr>
             <a:r>
               <a:rPr sz="900">
                 <a:solidFill>
@@ -3805,28 +3626,23 @@
               <a:t>■ </a:t>
             </a:r>
             <a:r>
-              <a:rPr sz="900" b="1">
-                <a:solidFill>
-                  <a:srgbClr val="000000"/>
-                </a:solidFill>
-              </a:rPr>
+              <a:rPr sz="900" b="1"/>
               <a:t>Accounts Payable</a:t>
             </a:r>
             <a:r>
               <a:rPr sz="900"/>
-              <a:t> - </a:t>
-            </a:r>
-            <a:r>
-              <a:rPr sz="900" b="0">
-                <a:solidFill>
-                  <a:srgbClr val="000000"/>
-                </a:solidFill>
-              </a:rPr>
-              <a:t>Trade payables to suppliers Accrued purchases for goods received Third-party processor withholdings Construction retainage payable Dividends declared but unpaid Customer deposits/advance payments Escheat liability estimates</a:t>
-            </a:r>
-          </a:p>
-          <a:p>
-            <a:pPr algn="just"/>
+              <a:t> - Trade payables to suppliers Accrued purchases for goods received Third-party processor withholdings Construction retainage payable Dividends declared but unpaid Customer deposits/advance payments Escheat liability estimates</a:t>
+            </a:r>
+          </a:p>
+          <a:p>
+            <a:pPr algn="just">
+              <a:lnSpc>
+                <a:spcPct val="100000"/>
+              </a:lnSpc>
+              <a:spcBef>
+                <a:spcPts val="606"/>
+              </a:spcBef>
+            </a:pPr>
             <a:r>
               <a:rPr sz="900">
                 <a:solidFill>
@@ -3836,27 +3652,23 @@
               <a:t>■ </a:t>
             </a:r>
             <a:r>
-              <a:rPr sz="900" b="1">
-                <a:solidFill>
-                  <a:srgbClr val="000000"/>
-                </a:solidFill>
-              </a:rPr>
+              <a:rPr sz="900" b="1"/>
               <a:t>Short-Term Debt</a:t>
             </a:r>
             <a:r>
               <a:rPr sz="900"/>
-              <a:t> - </a:t>
-            </a:r>
-            <a:r>
-              <a:rPr sz="900" b="0">
-                <a:solidFill>
-                  <a:srgbClr val="000000"/>
-                </a:solidFill>
-              </a:rPr>
-              <a:t>Commercial paper outstanding Revolving credit facility draws Current portion of long-term debt Bank overdraft facilities used Short-term lease liabilities Vendor financing arrangements Convertible debt equity component</a:t>
-            </a:r>
-          </a:p>
-          <a:p>
+              <a:t> - Commercial paper outstanding Revolving credit facility draws Current portion of long-term debt Bank overdraft facilities used Short-term lease liabilities Vendor financing arrangements Convertible debt equity component</a:t>
+            </a:r>
+          </a:p>
+          <a:p>
+            <a:pPr algn="l">
+              <a:lnSpc>
+                <a:spcPct val="100000"/>
+              </a:lnSpc>
+              <a:spcBef>
+                <a:spcPts val="606"/>
+              </a:spcBef>
+            </a:pPr>
             <a:r>
               <a:rPr sz="900" b="1">
                 <a:solidFill>
@@ -3867,7 +3679,14 @@
             </a:r>
           </a:p>
           <a:p>
-            <a:pPr algn="just"/>
+            <a:pPr algn="just">
+              <a:lnSpc>
+                <a:spcPct val="100000"/>
+              </a:lnSpc>
+              <a:spcBef>
+                <a:spcPts val="606"/>
+              </a:spcBef>
+            </a:pPr>
             <a:r>
               <a:rPr sz="900">
                 <a:solidFill>
@@ -3877,24 +3696,12 @@
               <a:t>■ </a:t>
             </a:r>
             <a:r>
-              <a:rPr sz="900" b="1">
-                <a:solidFill>
-                  <a:srgbClr val="000000"/>
-                </a:solidFill>
-              </a:rPr>
+              <a:rPr sz="900" b="1"/>
               <a:t>Bonds Payable</a:t>
             </a:r>
             <a:r>
               <a:rPr sz="900"/>
-              <a:t> - </a:t>
-            </a:r>
-            <a:r>
-              <a:rPr sz="900" b="0">
-                <a:solidFill>
-                  <a:srgbClr val="000000"/>
-                </a:solidFill>
-              </a:rPr>
-              <a:t>Corporate bond issuance at premium/discount Debenture conversion features Sinking fund requirements Unamortized bond issuance costs Fair value hedge adjustments Callable bond</a:t>
+              <a:t> - Corporate bond issuance at premium/discount Debenture conversion features Sinking fund requirements Unamortized bond issuance costs Fair value hedge adjustments Callable bond</a:t>
             </a:r>
           </a:p>
         </p:txBody>
@@ -3926,6 +3733,14 @@
             <a:endParaRPr/>
           </a:p>
           <a:p>
+            <a:pPr algn="l">
+              <a:lnSpc>
+                <a:spcPct val="100000"/>
+              </a:lnSpc>
+              <a:spcBef>
+                <a:spcPts val="606"/>
+              </a:spcBef>
+            </a:pPr>
             <a:r>
               <a:rPr sz="900" b="1">
                 <a:solidFill>
@@ -3936,7 +3751,14 @@
             </a:r>
           </a:p>
           <a:p>
-            <a:pPr algn="just"/>
+            <a:pPr algn="just">
+              <a:lnSpc>
+                <a:spcPct val="100000"/>
+              </a:lnSpc>
+              <a:spcBef>
+                <a:spcPts val="606"/>
+              </a:spcBef>
+            </a:pPr>
             <a:r>
               <a:rPr sz="900">
                 <a:solidFill>
@@ -3946,28 +3768,23 @@
               <a:t>■ </a:t>
             </a:r>
             <a:r>
-              <a:rPr sz="900" b="1">
-                <a:solidFill>
-                  <a:srgbClr val="000000"/>
-                </a:solidFill>
-              </a:rPr>
-              <a:t>Bonds Payable (continued)</a:t>
+              <a:rPr sz="900" b="1"/>
+              <a:t>(continued) Bonds Payable</a:t>
             </a:r>
             <a:r>
               <a:rPr sz="900"/>
-              <a:t> - </a:t>
-            </a:r>
-            <a:r>
-              <a:rPr sz="900" b="0">
-                <a:solidFill>
-                  <a:srgbClr val="000000"/>
-                </a:solidFill>
-              </a:rPr>
-              <a:t>provisions Convertible bond accounting</a:t>
-            </a:r>
-          </a:p>
-          <a:p>
-            <a:pPr algn="just"/>
+              <a:t> - provisions Convertible bond accounting</a:t>
+            </a:r>
+          </a:p>
+          <a:p>
+            <a:pPr algn="just">
+              <a:lnSpc>
+                <a:spcPct val="100000"/>
+              </a:lnSpc>
+              <a:spcBef>
+                <a:spcPts val="606"/>
+              </a:spcBef>
+            </a:pPr>
             <a:r>
               <a:rPr sz="900">
                 <a:solidFill>
@@ -3977,27 +3794,23 @@
               <a:t>■ </a:t>
             </a:r>
             <a:r>
-              <a:rPr sz="900" b="1">
-                <a:solidFill>
-                  <a:srgbClr val="000000"/>
-                </a:solidFill>
-              </a:rPr>
+              <a:rPr sz="900" b="1"/>
               <a:t>Pension Liabilities</a:t>
             </a:r>
             <a:r>
               <a:rPr sz="900"/>
-              <a:t> - </a:t>
-            </a:r>
-            <a:r>
-              <a:rPr sz="900" b="0">
-                <a:solidFill>
-                  <a:srgbClr val="000000"/>
-                </a:solidFill>
-              </a:rPr>
-              <a:t>Defined benefit obligation calculations Actuarial gains/losses recognition Plan asset valuations Curtailment/settlement accounting Multi-employer plan disclosures Post-employment benefits accrual Termination benefit provisions</a:t>
-            </a:r>
-          </a:p>
-          <a:p>
+              <a:t> - Defined benefit obligation calculations Actuarial gains/losses recognition Plan asset valuations Curtailment/settlement accounting Multi-employer plan disclosures Post-employment benefits accrual Termination benefit provisions</a:t>
+            </a:r>
+          </a:p>
+          <a:p>
+            <a:pPr algn="l">
+              <a:lnSpc>
+                <a:spcPct val="100000"/>
+              </a:lnSpc>
+              <a:spcBef>
+                <a:spcPts val="606"/>
+              </a:spcBef>
+            </a:pPr>
             <a:r>
               <a:rPr sz="900" b="1">
                 <a:solidFill>
@@ -4008,7 +3821,14 @@
             </a:r>
           </a:p>
           <a:p>
-            <a:pPr algn="just"/>
+            <a:pPr algn="just">
+              <a:lnSpc>
+                <a:spcPct val="100000"/>
+              </a:lnSpc>
+              <a:spcBef>
+                <a:spcPts val="606"/>
+              </a:spcBef>
+            </a:pPr>
             <a:r>
               <a:rPr sz="900">
                 <a:solidFill>
@@ -4018,28 +3838,23 @@
               <a:t>■ </a:t>
             </a:r>
             <a:r>
-              <a:rPr sz="900" b="1">
-                <a:solidFill>
-                  <a:srgbClr val="000000"/>
-                </a:solidFill>
-              </a:rPr>
+              <a:rPr sz="900" b="1"/>
               <a:t>Common Stock</a:t>
             </a:r>
             <a:r>
               <a:rPr sz="900"/>
-              <a:t> - </a:t>
-            </a:r>
-            <a:r>
-              <a:rPr sz="900" b="0">
-                <a:solidFill>
-                  <a:srgbClr val="000000"/>
-                </a:solidFill>
-              </a:rPr>
-              <a:t>Par value per share disclosure Authorized shares vs outstanding Treasury stock accounting method Stock split adjustments Stock option pool reserves Restricted stock unit accruals Dividend reinvestment plan shares</a:t>
-            </a:r>
-          </a:p>
-          <a:p>
-            <a:pPr algn="just"/>
+              <a:t> - Par value per share disclosure Authorized shares vs outstanding Treasury stock accounting method Stock split adjustments Stock option pool reserves Restricted stock unit accruals Dividend reinvestment plan shares</a:t>
+            </a:r>
+          </a:p>
+          <a:p>
+            <a:pPr algn="just">
+              <a:lnSpc>
+                <a:spcPct val="100000"/>
+              </a:lnSpc>
+              <a:spcBef>
+                <a:spcPts val="606"/>
+              </a:spcBef>
+            </a:pPr>
             <a:r>
               <a:rPr sz="900">
                 <a:solidFill>
@@ -4049,24 +3864,12 @@
               <a:t>■ </a:t>
             </a:r>
             <a:r>
-              <a:rPr sz="900" b="1">
-                <a:solidFill>
-                  <a:srgbClr val="000000"/>
-                </a:solidFill>
-              </a:rPr>
+              <a:rPr sz="900" b="1"/>
               <a:t>Retained Earnings</a:t>
             </a:r>
             <a:r>
               <a:rPr sz="900"/>
-              <a:t> - </a:t>
-            </a:r>
-            <a:r>
-              <a:rPr sz="900" b="0">
-                <a:solidFill>
-                  <a:srgbClr val="000000"/>
-                </a:solidFill>
-              </a:rPr>
-              <a:t>Prior period adjustments Dividend declaration accounting ESOP allocation impacts Foreign currency translation adjustments Hedging reserve balances Revaluation surplus accounts Accumulated other comprehensive income</a:t>
+              <a:t> - Prior period adjustments Dividend declaration accounting ESOP allocation impacts Foreign currency translation adjustments Hedging reserve balances Revaluation surplus accounts Accumulated other comprehensive income</a:t>
             </a:r>
           </a:p>
         </p:txBody>
@@ -4098,17 +3901,16 @@
           </a:solidFill>
         </p:spPr>
         <p:txBody>
-          <a:bodyPr wrap="square" anchor="t" tIns="0" bIns="0"/>
+          <a:bodyPr wrap="square" anchor="t">
+            <a:normAutofit/>
+          </a:bodyPr>
           <a:lstStyle/>
           <a:p>
             <a:endParaRPr/>
           </a:p>
           <a:p>
             <a:pPr algn="just">
-              <a:spcBef>
-                <a:spcPts val="400"/>
-              </a:spcBef>
-              <a:ind left="64008"/>
+              <a:ind left="0"/>
             </a:pPr>
             <a:r>
               <a:rPr sz="900" b="1">
@@ -4117,177 +3919,7 @@
                 </a:solidFill>
                 <a:latin typeface="Arial"/>
               </a:rPr>
-              <a:t>shows optimal asset allocation with 60% long-term</a:t>
-            </a:r>
-          </a:p>
-          <a:p>
-            <a:pPr algn="just">
-              <a:spcBef>
-                <a:spcPts val="400"/>
-              </a:spcBef>
-              <a:ind left="64008"/>
-            </a:pPr>
-            <a:r>
-              <a:rPr sz="900" b="1">
-                <a:solidFill>
-                  <a:srgbClr val="FFFFFF"/>
-                </a:solidFill>
-                <a:latin typeface="Arial"/>
-              </a:rPr>
-              <a:t>investments and 40% working capital. Financial</a:t>
-            </a:r>
-          </a:p>
-          <a:p>
-            <a:pPr algn="just">
-              <a:spcBef>
-                <a:spcPts val="400"/>
-              </a:spcBef>
-              <a:ind left="64008"/>
-            </a:pPr>
-            <a:r>
-              <a:rPr sz="900" b="1">
-                <a:solidFill>
-                  <a:srgbClr val="FFFFFF"/>
-                </a:solidFill>
-                <a:latin typeface="Arial"/>
-              </a:rPr>
-              <a:t>ratios indicate robust solvency with current ratio</a:t>
-            </a:r>
-          </a:p>
-          <a:p>
-            <a:pPr algn="just">
-              <a:spcBef>
-                <a:spcPts val="400"/>
-              </a:spcBef>
-              <a:ind left="64008"/>
-            </a:pPr>
-            <a:r>
-              <a:rPr sz="900" b="1">
-                <a:solidFill>
-                  <a:srgbClr val="FFFFFF"/>
-                </a:solidFill>
-                <a:latin typeface="Arial"/>
-              </a:rPr>
-              <a:t>of 2.4 and quick ratio of 1.8. Equity growth of</a:t>
-            </a:r>
-          </a:p>
-          <a:p>
-            <a:pPr algn="just">
-              <a:spcBef>
-                <a:spcPts val="400"/>
-              </a:spcBef>
-              <a:ind left="64008"/>
-            </a:pPr>
-            <a:r>
-              <a:rPr sz="900" b="1">
-                <a:solidFill>
-                  <a:srgbClr val="FFFFFF"/>
-                </a:solidFill>
-                <a:latin typeface="Arial"/>
-              </a:rPr>
-              <a:t>12% year-over-year demonstrates sustainable value</a:t>
-            </a:r>
-          </a:p>
-          <a:p>
-            <a:pPr algn="just">
-              <a:spcBef>
-                <a:spcPts val="400"/>
-              </a:spcBef>
-              <a:ind left="64008"/>
-            </a:pPr>
-            <a:r>
-              <a:rPr sz="900" b="1">
-                <a:solidFill>
-                  <a:srgbClr val="FFFFFF"/>
-                </a:solidFill>
-                <a:latin typeface="Arial"/>
-              </a:rPr>
-              <a:t>creation. Conservative accounting practices ensure</a:t>
-            </a:r>
-          </a:p>
-          <a:p>
-            <a:pPr algn="just">
-              <a:spcBef>
-                <a:spcPts val="400"/>
-              </a:spcBef>
-              <a:ind left="64008"/>
-            </a:pPr>
-            <a:r>
-              <a:rPr sz="900" b="1">
-                <a:solidFill>
-                  <a:srgbClr val="FFFFFF"/>
-                </a:solidFill>
-                <a:latin typeface="Arial"/>
-              </a:rPr>
-              <a:t>asset valuations remain realistic, while liability</a:t>
-            </a:r>
-          </a:p>
-          <a:p>
-            <a:pPr algn="just">
-              <a:spcBef>
-                <a:spcPts val="400"/>
-              </a:spcBef>
-              <a:ind left="64008"/>
-            </a:pPr>
-            <a:r>
-              <a:rPr sz="900" b="1">
-                <a:solidFill>
-                  <a:srgbClr val="FFFFFF"/>
-                </a:solidFill>
-                <a:latin typeface="Arial"/>
-              </a:rPr>
-              <a:t>management maintains healthy interest coverage.</a:t>
-            </a:r>
-          </a:p>
-          <a:p>
-            <a:pPr algn="just">
-              <a:spcBef>
-                <a:spcPts val="400"/>
-              </a:spcBef>
-              <a:ind left="64008"/>
-            </a:pPr>
-            <a:r>
-              <a:rPr sz="900" b="1">
-                <a:solidFill>
-                  <a:srgbClr val="FFFFFF"/>
-                </a:solidFill>
-                <a:latin typeface="Arial"/>
-              </a:rPr>
-              <a:t>Overall, the balance sheet positions the company</a:t>
-            </a:r>
-          </a:p>
-          <a:p>
-            <a:pPr algn="just">
-              <a:spcBef>
-                <a:spcPts val="400"/>
-              </a:spcBef>
-              <a:ind left="64008"/>
-            </a:pPr>
-            <a:r>
-              <a:rPr sz="900" b="1">
-                <a:solidFill>
-                  <a:srgbClr val="FFFFFF"/>
-                </a:solidFill>
-                <a:latin typeface="Arial"/>
-              </a:rPr>
-              <a:t>for strategic investments while maintaining</a:t>
-            </a:r>
-          </a:p>
-          <a:p>
-            <a:pPr algn="just">
-              <a:spcBef>
-                <a:spcPts val="400"/>
-              </a:spcBef>
-              <a:ind left="64008"/>
-            </a:pPr>
-            <a:r>
-              <a:rPr sz="900" b="1">
-                <a:solidFill>
-                  <a:srgbClr val="FFFFFF"/>
-                </a:solidFill>
-                <a:latin typeface="Arial"/>
-              </a:rPr>
-              <a:t>financial stability.</a:t>
+              <a:t>shows optimal asset allocation with 60% long-term investments and 40% working capital. Financial ratios indicate robust solvency with current ratio of 2.4 and quick ratio of 1.8. Equity growth of 12% year-over-year demonstrates sustainable value creation. Conservative accounting practices ensure asset valuations remain realistic, while liability management maintains healthy interest coverage. Overall, the balance sheet positions the company for strategic investments while maintaining financial stability.</a:t>
             </a:r>
           </a:p>
         </p:txBody>

--- a/final_report.pptx
+++ b/final_report.pptx
@@ -3296,84 +3296,6 @@
             </a:r>
           </a:p>
           <a:p>
-            <a:pPr algn="just">
-              <a:lnSpc>
-                <a:spcPct val="100000"/>
-              </a:lnSpc>
-              <a:spcBef>
-                <a:spcPts val="606"/>
-              </a:spcBef>
-            </a:pPr>
-            <a:r>
-              <a:rPr sz="900">
-                <a:solidFill>
-                  <a:srgbClr val="A9A9A9"/>
-                </a:solidFill>
-              </a:rPr>
-              <a:t>■ </a:t>
-            </a:r>
-            <a:r>
-              <a:rPr sz="900" b="1"/>
-              <a:t>Cash and Cash Equivalents</a:t>
-            </a:r>
-            <a:r>
-              <a:rPr sz="900"/>
-              <a:t> - Currency in checking/savings accounts Short-term Treasury bills (maturing &lt;3 months) Commercial paper from AAA-rated corporations Money market funds with daily liquidity Petty cash reserves for office expenses Foreign currency holdings in major currencies Undeposited checks from customers Cash in transit between bank accounts</a:t>
-            </a:r>
-          </a:p>
-          <a:p>
-            <a:pPr algn="just">
-              <a:lnSpc>
-                <a:spcPct val="100000"/>
-              </a:lnSpc>
-              <a:spcBef>
-                <a:spcPts val="606"/>
-              </a:spcBef>
-            </a:pPr>
-            <a:r>
-              <a:rPr sz="900">
-                <a:solidFill>
-                  <a:srgbClr val="A9A9A9"/>
-                </a:solidFill>
-              </a:rPr>
-              <a:t>■ </a:t>
-            </a:r>
-            <a:r>
-              <a:rPr sz="900" b="1"/>
-              <a:t>Marketable Securities</a:t>
-            </a:r>
-            <a:r>
-              <a:rPr sz="900"/>
-              <a:t> - Corporate bonds with &lt;1yr maturity Government agency securities Certificates of deposit (CDs) Bankers' acceptances Commercial paper holdings Treasury notes maturing within 12 months Highly liquid ETF positions</a:t>
-            </a:r>
-          </a:p>
-          <a:p>
-            <a:pPr algn="just">
-              <a:lnSpc>
-                <a:spcPct val="100000"/>
-              </a:lnSpc>
-              <a:spcBef>
-                <a:spcPts val="606"/>
-              </a:spcBef>
-            </a:pPr>
-            <a:r>
-              <a:rPr sz="900">
-                <a:solidFill>
-                  <a:srgbClr val="A9A9A9"/>
-                </a:solidFill>
-              </a:rPr>
-              <a:t>■ </a:t>
-            </a:r>
-            <a:r>
-              <a:rPr sz="900" b="1"/>
-              <a:t>Accounts Receivable</a:t>
-            </a:r>
-            <a:r>
-              <a:rPr sz="900"/>
-              <a:t> - Trade receivables from normal operations Installment receivables from long-term contracts Receivables from affiliated companies Allowance for doubtful accounts calculation Aging schedule analysis (30/60/90 days) Credit memo adjustments Factored receivables disclosure Unbilled receivables from progress contracts</a:t>
-            </a:r>
-          </a:p>
-          <a:p>
             <a:pPr algn="l">
               <a:lnSpc>
                 <a:spcPct val="100000"/>
@@ -3383,16 +3305,20 @@
               </a:spcBef>
             </a:pPr>
             <a:r>
-              <a:rPr sz="900" b="1">
+              <a:rPr sz="900">
                 <a:solidFill>
-                  <a:srgbClr val="003296"/>
+                  <a:srgbClr val="A9A9A9"/>
                 </a:solidFill>
               </a:rPr>
-              <a:t>Non-Current Assets</a:t>
-            </a:r>
-          </a:p>
-          <a:p>
-            <a:pPr algn="just">
+              <a:t>■ </a:t>
+            </a:r>
+            <a:r>
+              <a:rPr sz="900" b="1"/>
+              <a:t>Cash and Cash Equivalents</a:t>
+            </a:r>
+          </a:p>
+          <a:p>
+            <a:pPr algn="l">
               <a:lnSpc>
                 <a:spcPct val="100000"/>
               </a:lnSpc>
@@ -3401,6 +3327,48 @@
               </a:spcBef>
             </a:pPr>
             <a:r>
+              <a:rPr sz="900"/>
+              <a:t>- Currency in checking/savings accounts Short-term </a:t>
+            </a:r>
+            <a:r>
+              <a:rPr sz="900"/>
+              <a:t>- Treasury bills (maturing &lt;3 months) Commercial </a:t>
+            </a:r>
+            <a:r>
+              <a:rPr sz="900"/>
+              <a:t>- paper from AAA-rated corporations Money market </a:t>
+            </a:r>
+            <a:r>
+              <a:rPr sz="900"/>
+              <a:t>- funds with daily liquidity </a:t>
+            </a:r>
+            <a:r>
+              <a:rPr sz="900"/>
+              <a:t>- Petty cash reserves for office expenses Foreign </a:t>
+            </a:r>
+            <a:r>
+              <a:rPr sz="900"/>
+              <a:t>- currency holdings in major currencies Undeposited </a:t>
+            </a:r>
+            <a:r>
+              <a:rPr sz="900"/>
+              <a:t>- checks from customers Cash in transit between bank </a:t>
+            </a:r>
+            <a:r>
+              <a:rPr sz="900"/>
+              <a:t>- accounts </a:t>
+            </a:r>
+          </a:p>
+          <a:p>
+            <a:pPr algn="l">
+              <a:lnSpc>
+                <a:spcPct val="100000"/>
+              </a:lnSpc>
+              <a:spcBef>
+                <a:spcPts val="606"/>
+              </a:spcBef>
+            </a:pPr>
+            <a:r>
               <a:rPr sz="900">
                 <a:solidFill>
                   <a:srgbClr val="A9A9A9"/>
@@ -3410,11 +3378,183 @@
             </a:r>
             <a:r>
               <a:rPr sz="900" b="1"/>
+              <a:t>Marketable Securities</a:t>
+            </a:r>
+          </a:p>
+          <a:p>
+            <a:pPr algn="l">
+              <a:lnSpc>
+                <a:spcPct val="100000"/>
+              </a:lnSpc>
+              <a:spcBef>
+                <a:spcPts val="606"/>
+              </a:spcBef>
+            </a:pPr>
+            <a:r>
+              <a:rPr sz="900"/>
+              <a:t>- Corporate bonds with &lt;1yr maturity </a:t>
+            </a:r>
+            <a:r>
+              <a:rPr sz="900"/>
+              <a:t>- Government agency securities Certificates of </a:t>
+            </a:r>
+            <a:r>
+              <a:rPr sz="900"/>
+              <a:t>- deposit (CDs) </a:t>
+            </a:r>
+            <a:r>
+              <a:rPr sz="900"/>
+              <a:t>- Bankers' acceptances Commercial paper holdings </a:t>
+            </a:r>
+            <a:r>
+              <a:rPr sz="900"/>
+              <a:t>- Treasury notes maturing within 12 months </a:t>
+            </a:r>
+            <a:r>
+              <a:rPr sz="900"/>
+              <a:t>- Highly liquid ETF positions </a:t>
+            </a:r>
+          </a:p>
+          <a:p>
+            <a:pPr algn="l">
+              <a:lnSpc>
+                <a:spcPct val="100000"/>
+              </a:lnSpc>
+              <a:spcBef>
+                <a:spcPts val="606"/>
+              </a:spcBef>
+            </a:pPr>
+            <a:r>
+              <a:rPr sz="900">
+                <a:solidFill>
+                  <a:srgbClr val="A9A9A9"/>
+                </a:solidFill>
+              </a:rPr>
+              <a:t>■ </a:t>
+            </a:r>
+            <a:r>
+              <a:rPr sz="900" b="1"/>
+              <a:t>Accounts Receivable</a:t>
+            </a:r>
+          </a:p>
+          <a:p>
+            <a:pPr algn="l">
+              <a:lnSpc>
+                <a:spcPct val="100000"/>
+              </a:lnSpc>
+              <a:spcBef>
+                <a:spcPts val="606"/>
+              </a:spcBef>
+            </a:pPr>
+            <a:r>
+              <a:rPr sz="900"/>
+              <a:t>- Trade receivables from normal operations </a:t>
+            </a:r>
+            <a:r>
+              <a:rPr sz="900"/>
+              <a:t>- Installment receivables from long-term contracts </a:t>
+            </a:r>
+            <a:r>
+              <a:rPr sz="900"/>
+              <a:t>- Receivables from affiliated companies </a:t>
+            </a:r>
+            <a:r>
+              <a:rPr sz="900"/>
+              <a:t>- Allowance for doubtful accounts calculation </a:t>
+            </a:r>
+            <a:r>
+              <a:rPr sz="900"/>
+              <a:t>- Aging schedule analysis (30/60/90 days) </a:t>
+            </a:r>
+            <a:r>
+              <a:rPr sz="900"/>
+              <a:t>- Credit memo adjustments </a:t>
+            </a:r>
+            <a:r>
+              <a:rPr sz="900"/>
+              <a:t>- Factored receivables disclosure </a:t>
+            </a:r>
+            <a:r>
+              <a:rPr sz="900"/>
+              <a:t>- Unbilled receivables from progress contracts </a:t>
+            </a:r>
+          </a:p>
+          <a:p>
+            <a:pPr algn="l">
+              <a:lnSpc>
+                <a:spcPct val="100000"/>
+              </a:lnSpc>
+              <a:spcBef>
+                <a:spcPts val="606"/>
+              </a:spcBef>
+            </a:pPr>
+            <a:r>
+              <a:rPr sz="900" b="1">
+                <a:solidFill>
+                  <a:srgbClr val="003296"/>
+                </a:solidFill>
+              </a:rPr>
+              <a:t>Non-Current Assets</a:t>
+            </a:r>
+          </a:p>
+          <a:p>
+            <a:pPr algn="l">
+              <a:lnSpc>
+                <a:spcPct val="100000"/>
+              </a:lnSpc>
+              <a:spcBef>
+                <a:spcPts val="606"/>
+              </a:spcBef>
+            </a:pPr>
+            <a:r>
+              <a:rPr sz="900">
+                <a:solidFill>
+                  <a:srgbClr val="A9A9A9"/>
+                </a:solidFill>
+              </a:rPr>
+              <a:t>■ </a:t>
+            </a:r>
+            <a:r>
+              <a:rPr sz="900" b="1"/>
               <a:t>Property, Plant &amp; Equipment</a:t>
             </a:r>
-            <a:r>
-              <a:rPr sz="900"/>
-              <a:t> - Land acquisition costs (original purchase) Building improvements capitalization Machinery installation costs Equipment depreciation schedules Leasehold improvement amortization Construction-in-progress accounts Capitalized interest during construction</a:t>
+          </a:p>
+          <a:p>
+            <a:pPr algn="l">
+              <a:lnSpc>
+                <a:spcPct val="100000"/>
+              </a:lnSpc>
+              <a:spcBef>
+                <a:spcPts val="606"/>
+              </a:spcBef>
+            </a:pPr>
+            <a:r>
+              <a:rPr sz="900"/>
+              <a:t>- Land acquisition costs (original purchase) </a:t>
+            </a:r>
+            <a:r>
+              <a:rPr sz="900"/>
+              <a:t>- Building improvements capitalization </a:t>
+            </a:r>
+            <a:r>
+              <a:rPr sz="900"/>
+              <a:t>- Machinery installation costs Equipment </a:t>
+            </a:r>
+            <a:r>
+              <a:rPr sz="900"/>
+              <a:t>- depreciation schedules </a:t>
+            </a:r>
+            <a:r>
+              <a:rPr sz="900"/>
+              <a:t>- Leasehold improvement amortization </a:t>
+            </a:r>
+            <a:r>
+              <a:rPr sz="900"/>
+              <a:t>- Construction-in-progress accounts </a:t>
+            </a:r>
+            <a:r>
+              <a:rPr sz="900"/>
+              <a:t>- Capitalized interest during construction </a:t>
             </a:r>
           </a:p>
         </p:txBody>
@@ -3539,58 +3679,6 @@
             </a:r>
           </a:p>
           <a:p>
-            <a:pPr algn="just">
-              <a:lnSpc>
-                <a:spcPct val="100000"/>
-              </a:lnSpc>
-              <a:spcBef>
-                <a:spcPts val="606"/>
-              </a:spcBef>
-            </a:pPr>
-            <a:r>
-              <a:rPr sz="900">
-                <a:solidFill>
-                  <a:srgbClr val="A9A9A9"/>
-                </a:solidFill>
-              </a:rPr>
-              <a:t>■ </a:t>
-            </a:r>
-            <a:r>
-              <a:rPr sz="900" b="1"/>
-              <a:t>Intangible Assets</a:t>
-            </a:r>
-            <a:r>
-              <a:rPr sz="900"/>
-              <a:t> - Patent acquisition and amortization Trademark registration/maintenance costs Customer list valuations Non-compete agreement valuations Software development costs Licensing agreements fair value Goodwill impairment testing methodology</a:t>
-            </a:r>
-          </a:p>
-          <a:p>
-            <a:pPr algn="just">
-              <a:lnSpc>
-                <a:spcPct val="100000"/>
-              </a:lnSpc>
-              <a:spcBef>
-                <a:spcPts val="606"/>
-              </a:spcBef>
-            </a:pPr>
-            <a:r>
-              <a:rPr sz="900">
-                <a:solidFill>
-                  <a:srgbClr val="A9A9A9"/>
-                </a:solidFill>
-              </a:rPr>
-              <a:t>■ </a:t>
-            </a:r>
-            <a:r>
-              <a:rPr sz="900" b="1"/>
-              <a:t>Long-Term Investments</a:t>
-            </a:r>
-            <a:r>
-              <a:rPr sz="900"/>
-              <a:t> - Held-to-maturity securities portfolio Equity method investment accounting Real estate held for appreciation Venture capital fund investments Convertible debt instruments Restricted stock holdings Investments in subsidiaries</a:t>
-            </a:r>
-          </a:p>
-          <a:p>
             <a:pPr algn="l">
               <a:lnSpc>
                 <a:spcPct val="100000"/>
@@ -3600,24 +3688,6 @@
               </a:spcBef>
             </a:pPr>
             <a:r>
-              <a:rPr sz="900" b="1">
-                <a:solidFill>
-                  <a:srgbClr val="003296"/>
-                </a:solidFill>
-              </a:rPr>
-              <a:t>Current Liabilities</a:t>
-            </a:r>
-          </a:p>
-          <a:p>
-            <a:pPr algn="just">
-              <a:lnSpc>
-                <a:spcPct val="100000"/>
-              </a:lnSpc>
-              <a:spcBef>
-                <a:spcPts val="606"/>
-              </a:spcBef>
-            </a:pPr>
-            <a:r>
               <a:rPr sz="900">
                 <a:solidFill>
                   <a:srgbClr val="A9A9A9"/>
@@ -3627,37 +3697,7 @@
             </a:r>
             <a:r>
               <a:rPr sz="900" b="1"/>
-              <a:t>Accounts Payable</a:t>
-            </a:r>
-            <a:r>
-              <a:rPr sz="900"/>
-              <a:t> - Trade payables to suppliers Accrued purchases for goods received Third-party processor withholdings Construction retainage payable Dividends declared but unpaid Customer deposits/advance payments Escheat liability estimates</a:t>
-            </a:r>
-          </a:p>
-          <a:p>
-            <a:pPr algn="just">
-              <a:lnSpc>
-                <a:spcPct val="100000"/>
-              </a:lnSpc>
-              <a:spcBef>
-                <a:spcPts val="606"/>
-              </a:spcBef>
-            </a:pPr>
-            <a:r>
-              <a:rPr sz="900">
-                <a:solidFill>
-                  <a:srgbClr val="A9A9A9"/>
-                </a:solidFill>
-              </a:rPr>
-              <a:t>■ </a:t>
-            </a:r>
-            <a:r>
-              <a:rPr sz="900" b="1"/>
-              <a:t>Short-Term Debt</a:t>
-            </a:r>
-            <a:r>
-              <a:rPr sz="900"/>
-              <a:t> - Commercial paper outstanding Revolving credit facility draws Current portion of long-term debt Bank overdraft facilities used Short-term lease liabilities Vendor financing arrangements Convertible debt equity component</a:t>
+              <a:t>Intangible Assets</a:t>
             </a:r>
           </a:p>
           <a:p>
@@ -3670,16 +3710,36 @@
               </a:spcBef>
             </a:pPr>
             <a:r>
-              <a:rPr sz="900" b="1">
-                <a:solidFill>
-                  <a:srgbClr val="003296"/>
-                </a:solidFill>
-              </a:rPr>
-              <a:t>Long-Term Liabilities</a:t>
-            </a:r>
-          </a:p>
-          <a:p>
-            <a:pPr algn="just">
+              <a:rPr sz="900"/>
+              <a:t>- Patent acquisition and amortization </a:t>
+            </a:r>
+            <a:r>
+              <a:rPr sz="900"/>
+              <a:t>- Trademark registration/maintenance costs </a:t>
+            </a:r>
+            <a:r>
+              <a:rPr sz="900"/>
+              <a:t>- Customer list valuations </a:t>
+            </a:r>
+            <a:r>
+              <a:rPr sz="900"/>
+              <a:t>- Non-compete agreement valuations </a:t>
+            </a:r>
+            <a:r>
+              <a:rPr sz="900"/>
+              <a:t>- Software development costs </a:t>
+            </a:r>
+            <a:r>
+              <a:rPr sz="900"/>
+              <a:t>- Licensing agreements fair value </a:t>
+            </a:r>
+            <a:r>
+              <a:rPr sz="900"/>
+              <a:t>- Goodwill impairment testing methodology </a:t>
+            </a:r>
+          </a:p>
+          <a:p>
+            <a:pPr algn="l">
               <a:lnSpc>
                 <a:spcPct val="100000"/>
               </a:lnSpc>
@@ -3697,11 +3757,237 @@
             </a:r>
             <a:r>
               <a:rPr sz="900" b="1"/>
+              <a:t>Long-Term Investments</a:t>
+            </a:r>
+          </a:p>
+          <a:p>
+            <a:pPr algn="l">
+              <a:lnSpc>
+                <a:spcPct val="100000"/>
+              </a:lnSpc>
+              <a:spcBef>
+                <a:spcPts val="606"/>
+              </a:spcBef>
+            </a:pPr>
+            <a:r>
+              <a:rPr sz="900"/>
+              <a:t>- Held-to-maturity securities portfolio </a:t>
+            </a:r>
+            <a:r>
+              <a:rPr sz="900"/>
+              <a:t>- Equity method investment accounting </a:t>
+            </a:r>
+            <a:r>
+              <a:rPr sz="900"/>
+              <a:t>- Real estate held for appreciation </a:t>
+            </a:r>
+            <a:r>
+              <a:rPr sz="900"/>
+              <a:t>- Venture capital fund investments </a:t>
+            </a:r>
+            <a:r>
+              <a:rPr sz="900"/>
+              <a:t>- Convertible debt instruments </a:t>
+            </a:r>
+            <a:r>
+              <a:rPr sz="900"/>
+              <a:t>- Restricted stock holdings </a:t>
+            </a:r>
+            <a:r>
+              <a:rPr sz="900"/>
+              <a:t>- Investments in subsidiaries </a:t>
+            </a:r>
+          </a:p>
+          <a:p>
+            <a:pPr algn="l">
+              <a:lnSpc>
+                <a:spcPct val="100000"/>
+              </a:lnSpc>
+              <a:spcBef>
+                <a:spcPts val="606"/>
+              </a:spcBef>
+            </a:pPr>
+            <a:r>
+              <a:rPr sz="900" b="1">
+                <a:solidFill>
+                  <a:srgbClr val="003296"/>
+                </a:solidFill>
+              </a:rPr>
+              <a:t>Current Liabilities</a:t>
+            </a:r>
+          </a:p>
+          <a:p>
+            <a:pPr algn="l">
+              <a:lnSpc>
+                <a:spcPct val="100000"/>
+              </a:lnSpc>
+              <a:spcBef>
+                <a:spcPts val="606"/>
+              </a:spcBef>
+            </a:pPr>
+            <a:r>
+              <a:rPr sz="900">
+                <a:solidFill>
+                  <a:srgbClr val="A9A9A9"/>
+                </a:solidFill>
+              </a:rPr>
+              <a:t>■ </a:t>
+            </a:r>
+            <a:r>
+              <a:rPr sz="900" b="1"/>
+              <a:t>Accounts Payable</a:t>
+            </a:r>
+          </a:p>
+          <a:p>
+            <a:pPr algn="l">
+              <a:lnSpc>
+                <a:spcPct val="100000"/>
+              </a:lnSpc>
+              <a:spcBef>
+                <a:spcPts val="606"/>
+              </a:spcBef>
+            </a:pPr>
+            <a:r>
+              <a:rPr sz="900"/>
+              <a:t>- Trade payables to suppliers </a:t>
+            </a:r>
+            <a:r>
+              <a:rPr sz="900"/>
+              <a:t>- Accrued purchases for goods received </a:t>
+            </a:r>
+            <a:r>
+              <a:rPr sz="900"/>
+              <a:t>- Third-party processor withholdings Construction </a:t>
+            </a:r>
+            <a:r>
+              <a:rPr sz="900"/>
+              <a:t>- retainage payable </a:t>
+            </a:r>
+            <a:r>
+              <a:rPr sz="900"/>
+              <a:t>- Dividends declared but unpaid </a:t>
+            </a:r>
+            <a:r>
+              <a:rPr sz="900"/>
+              <a:t>- Customer deposits/advance payments </a:t>
+            </a:r>
+            <a:r>
+              <a:rPr sz="900"/>
+              <a:t>- Escheat liability estimates </a:t>
+            </a:r>
+          </a:p>
+          <a:p>
+            <a:pPr algn="l">
+              <a:lnSpc>
+                <a:spcPct val="100000"/>
+              </a:lnSpc>
+              <a:spcBef>
+                <a:spcPts val="606"/>
+              </a:spcBef>
+            </a:pPr>
+            <a:r>
+              <a:rPr sz="900">
+                <a:solidFill>
+                  <a:srgbClr val="A9A9A9"/>
+                </a:solidFill>
+              </a:rPr>
+              <a:t>■ </a:t>
+            </a:r>
+            <a:r>
+              <a:rPr sz="900" b="1"/>
+              <a:t>Short-Term Debt</a:t>
+            </a:r>
+          </a:p>
+          <a:p>
+            <a:pPr algn="l">
+              <a:lnSpc>
+                <a:spcPct val="100000"/>
+              </a:lnSpc>
+              <a:spcBef>
+                <a:spcPts val="606"/>
+              </a:spcBef>
+            </a:pPr>
+            <a:r>
+              <a:rPr sz="900"/>
+              <a:t>- Commercial paper outstanding </a:t>
+            </a:r>
+            <a:r>
+              <a:rPr sz="900"/>
+              <a:t>- Revolving credit facility draws </a:t>
+            </a:r>
+            <a:r>
+              <a:rPr sz="900"/>
+              <a:t>- Current portion of long-term debt </a:t>
+            </a:r>
+            <a:r>
+              <a:rPr sz="900"/>
+              <a:t>- Bank overdraft facilities used </a:t>
+            </a:r>
+            <a:r>
+              <a:rPr sz="900"/>
+              <a:t>- Short-term lease liabilities </a:t>
+            </a:r>
+            <a:r>
+              <a:rPr sz="900"/>
+              <a:t>- Vendor financing arrangements </a:t>
+            </a:r>
+            <a:r>
+              <a:rPr sz="900"/>
+              <a:t>- Convertible debt equity component </a:t>
+            </a:r>
+          </a:p>
+          <a:p>
+            <a:pPr algn="l">
+              <a:lnSpc>
+                <a:spcPct val="100000"/>
+              </a:lnSpc>
+              <a:spcBef>
+                <a:spcPts val="606"/>
+              </a:spcBef>
+            </a:pPr>
+            <a:r>
+              <a:rPr sz="900" b="1">
+                <a:solidFill>
+                  <a:srgbClr val="003296"/>
+                </a:solidFill>
+              </a:rPr>
+              <a:t>Long-Term Liabilities</a:t>
+            </a:r>
+          </a:p>
+          <a:p>
+            <a:pPr algn="l">
+              <a:lnSpc>
+                <a:spcPct val="100000"/>
+              </a:lnSpc>
+              <a:spcBef>
+                <a:spcPts val="606"/>
+              </a:spcBef>
+            </a:pPr>
+            <a:r>
+              <a:rPr sz="900">
+                <a:solidFill>
+                  <a:srgbClr val="A9A9A9"/>
+                </a:solidFill>
+              </a:rPr>
+              <a:t>■ </a:t>
+            </a:r>
+            <a:r>
+              <a:rPr sz="900" b="1"/>
               <a:t>Bonds Payable</a:t>
             </a:r>
-            <a:r>
-              <a:rPr sz="900"/>
-              <a:t> - Corporate bond issuance at premium/discount Debenture conversion features Sinking fund requirements Unamortized bond issuance costs Fair value hedge adjustments Callable bond</a:t>
+          </a:p>
+          <a:p>
+            <a:pPr algn="l">
+              <a:lnSpc>
+                <a:spcPct val="100000"/>
+              </a:lnSpc>
+              <a:spcBef>
+                <a:spcPts val="606"/>
+              </a:spcBef>
+            </a:pPr>
+            <a:r>
+              <a:rPr sz="900"/>
+              <a:t>- Corporate bond issuance at premium/discount Debenture conversion features Sinking fund requirements Unamortized bond issuance costs Fair value hedge adjustments Callable bond </a:t>
             </a:r>
           </a:p>
         </p:txBody>
@@ -3751,58 +4037,6 @@
             </a:r>
           </a:p>
           <a:p>
-            <a:pPr algn="just">
-              <a:lnSpc>
-                <a:spcPct val="100000"/>
-              </a:lnSpc>
-              <a:spcBef>
-                <a:spcPts val="606"/>
-              </a:spcBef>
-            </a:pPr>
-            <a:r>
-              <a:rPr sz="900">
-                <a:solidFill>
-                  <a:srgbClr val="A9A9A9"/>
-                </a:solidFill>
-              </a:rPr>
-              <a:t>■ </a:t>
-            </a:r>
-            <a:r>
-              <a:rPr sz="900" b="1"/>
-              <a:t>(continued) Bonds Payable</a:t>
-            </a:r>
-            <a:r>
-              <a:rPr sz="900"/>
-              <a:t> - provisions Convertible bond accounting</a:t>
-            </a:r>
-          </a:p>
-          <a:p>
-            <a:pPr algn="just">
-              <a:lnSpc>
-                <a:spcPct val="100000"/>
-              </a:lnSpc>
-              <a:spcBef>
-                <a:spcPts val="606"/>
-              </a:spcBef>
-            </a:pPr>
-            <a:r>
-              <a:rPr sz="900">
-                <a:solidFill>
-                  <a:srgbClr val="A9A9A9"/>
-                </a:solidFill>
-              </a:rPr>
-              <a:t>■ </a:t>
-            </a:r>
-            <a:r>
-              <a:rPr sz="900" b="1"/>
-              <a:t>Pension Liabilities</a:t>
-            </a:r>
-            <a:r>
-              <a:rPr sz="900"/>
-              <a:t> - Defined benefit obligation calculations Actuarial gains/losses recognition Plan asset valuations Curtailment/settlement accounting Multi-employer plan disclosures Post-employment benefits accrual Termination benefit provisions</a:t>
-            </a:r>
-          </a:p>
-          <a:p>
             <a:pPr algn="l">
               <a:lnSpc>
                 <a:spcPct val="100000"/>
@@ -3812,16 +4046,20 @@
               </a:spcBef>
             </a:pPr>
             <a:r>
-              <a:rPr sz="900" b="1">
+              <a:rPr sz="900">
                 <a:solidFill>
-                  <a:srgbClr val="003296"/>
+                  <a:srgbClr val="A9A9A9"/>
                 </a:solidFill>
               </a:rPr>
-              <a:t>Shareholders' Equity</a:t>
-            </a:r>
-          </a:p>
-          <a:p>
-            <a:pPr algn="just">
+              <a:t>■ </a:t>
+            </a:r>
+            <a:r>
+              <a:rPr sz="900" b="1"/>
+              <a:t>Bonds Payable</a:t>
+            </a:r>
+          </a:p>
+          <a:p>
+            <a:pPr algn="l">
               <a:lnSpc>
                 <a:spcPct val="100000"/>
               </a:lnSpc>
@@ -3830,24 +4068,12 @@
               </a:spcBef>
             </a:pPr>
             <a:r>
-              <a:rPr sz="900">
-                <a:solidFill>
-                  <a:srgbClr val="A9A9A9"/>
-                </a:solidFill>
-              </a:rPr>
-              <a:t>■ </a:t>
-            </a:r>
-            <a:r>
-              <a:rPr sz="900" b="1"/>
-              <a:t>Common Stock</a:t>
-            </a:r>
-            <a:r>
-              <a:rPr sz="900"/>
-              <a:t> - Par value per share disclosure Authorized shares vs outstanding Treasury stock accounting method Stock split adjustments Stock option pool reserves Restricted stock unit accruals Dividend reinvestment plan shares</a:t>
-            </a:r>
-          </a:p>
-          <a:p>
-            <a:pPr algn="just">
+              <a:rPr sz="900"/>
+              <a:t>- provisions Convertible bond accounting </a:t>
+            </a:r>
+          </a:p>
+          <a:p>
+            <a:pPr algn="l">
               <a:lnSpc>
                 <a:spcPct val="100000"/>
               </a:lnSpc>
@@ -3865,11 +4091,183 @@
             </a:r>
             <a:r>
               <a:rPr sz="900" b="1"/>
+              <a:t>Pension Liabilities</a:t>
+            </a:r>
+          </a:p>
+          <a:p>
+            <a:pPr algn="l">
+              <a:lnSpc>
+                <a:spcPct val="100000"/>
+              </a:lnSpc>
+              <a:spcBef>
+                <a:spcPts val="606"/>
+              </a:spcBef>
+            </a:pPr>
+            <a:r>
+              <a:rPr sz="900"/>
+              <a:t>- Defined benefit obligation calculations </a:t>
+            </a:r>
+            <a:r>
+              <a:rPr sz="900"/>
+              <a:t>- Actuarial gains/losses recognition </a:t>
+            </a:r>
+            <a:r>
+              <a:rPr sz="900"/>
+              <a:t>- Plan asset valuations </a:t>
+            </a:r>
+            <a:r>
+              <a:rPr sz="900"/>
+              <a:t>- Curtailment/settlement accounting </a:t>
+            </a:r>
+            <a:r>
+              <a:rPr sz="900"/>
+              <a:t>- Multi-employer plan disclosures </a:t>
+            </a:r>
+            <a:r>
+              <a:rPr sz="900"/>
+              <a:t>- Post-employment benefits accrual </a:t>
+            </a:r>
+            <a:r>
+              <a:rPr sz="900"/>
+              <a:t>- Termination benefit provisions </a:t>
+            </a:r>
+          </a:p>
+          <a:p>
+            <a:pPr algn="l">
+              <a:lnSpc>
+                <a:spcPct val="100000"/>
+              </a:lnSpc>
+              <a:spcBef>
+                <a:spcPts val="606"/>
+              </a:spcBef>
+            </a:pPr>
+            <a:r>
+              <a:rPr sz="900" b="1">
+                <a:solidFill>
+                  <a:srgbClr val="003296"/>
+                </a:solidFill>
+              </a:rPr>
+              <a:t>Shareholders' Equity</a:t>
+            </a:r>
+          </a:p>
+          <a:p>
+            <a:pPr algn="l">
+              <a:lnSpc>
+                <a:spcPct val="100000"/>
+              </a:lnSpc>
+              <a:spcBef>
+                <a:spcPts val="606"/>
+              </a:spcBef>
+            </a:pPr>
+            <a:r>
+              <a:rPr sz="900">
+                <a:solidFill>
+                  <a:srgbClr val="A9A9A9"/>
+                </a:solidFill>
+              </a:rPr>
+              <a:t>■ </a:t>
+            </a:r>
+            <a:r>
+              <a:rPr sz="900" b="1"/>
+              <a:t>Common Stock</a:t>
+            </a:r>
+          </a:p>
+          <a:p>
+            <a:pPr algn="l">
+              <a:lnSpc>
+                <a:spcPct val="100000"/>
+              </a:lnSpc>
+              <a:spcBef>
+                <a:spcPts val="606"/>
+              </a:spcBef>
+            </a:pPr>
+            <a:r>
+              <a:rPr sz="900"/>
+              <a:t>- Par value per share disclosure </a:t>
+            </a:r>
+            <a:r>
+              <a:rPr sz="900"/>
+              <a:t>- Authorized shares vs outstanding </a:t>
+            </a:r>
+            <a:r>
+              <a:rPr sz="900"/>
+              <a:t>- Treasury stock accounting method </a:t>
+            </a:r>
+            <a:r>
+              <a:rPr sz="900"/>
+              <a:t>- Stock split adjustments </a:t>
+            </a:r>
+            <a:r>
+              <a:rPr sz="900"/>
+              <a:t>- Stock option pool reserves </a:t>
+            </a:r>
+            <a:r>
+              <a:rPr sz="900"/>
+              <a:t>- Restricted stock unit accruals </a:t>
+            </a:r>
+            <a:r>
+              <a:rPr sz="900"/>
+              <a:t>- Dividend reinvestment plan shares </a:t>
+            </a:r>
+          </a:p>
+          <a:p>
+            <a:pPr algn="l">
+              <a:lnSpc>
+                <a:spcPct val="100000"/>
+              </a:lnSpc>
+              <a:spcBef>
+                <a:spcPts val="606"/>
+              </a:spcBef>
+            </a:pPr>
+            <a:r>
+              <a:rPr sz="900">
+                <a:solidFill>
+                  <a:srgbClr val="A9A9A9"/>
+                </a:solidFill>
+              </a:rPr>
+              <a:t>■ </a:t>
+            </a:r>
+            <a:r>
+              <a:rPr sz="900" b="1"/>
               <a:t>Retained Earnings</a:t>
             </a:r>
-            <a:r>
-              <a:rPr sz="900"/>
-              <a:t> - Prior period adjustments Dividend declaration accounting ESOP allocation impacts Foreign currency translation adjustments Hedging reserve balances Revaluation surplus accounts Accumulated other comprehensive income</a:t>
+          </a:p>
+          <a:p>
+            <a:pPr algn="l">
+              <a:lnSpc>
+                <a:spcPct val="100000"/>
+              </a:lnSpc>
+              <a:spcBef>
+                <a:spcPts val="606"/>
+              </a:spcBef>
+            </a:pPr>
+            <a:r>
+              <a:rPr sz="900"/>
+              <a:t>- Prior period adjustments </a:t>
+            </a:r>
+            <a:r>
+              <a:rPr sz="900"/>
+              <a:t>- Dividend declaration accounting </a:t>
+            </a:r>
+            <a:r>
+              <a:rPr sz="900"/>
+              <a:t>- ESOP allocation impacts </a:t>
+            </a:r>
+            <a:r>
+              <a:rPr sz="900"/>
+              <a:t>- Foreign currency translation adjustments </a:t>
+            </a:r>
+            <a:r>
+              <a:rPr sz="900"/>
+              <a:t>- Hedging reserve balances </a:t>
+            </a:r>
+            <a:r>
+              <a:rPr sz="900"/>
+              <a:t>- Revaluation surplus accounts </a:t>
+            </a:r>
+            <a:r>
+              <a:rPr sz="900"/>
+              <a:t>- Accumulated other comprehensive income </a:t>
             </a:r>
           </a:p>
         </p:txBody>

--- a/final_report.pptx
+++ b/final_report.pptx
@@ -3282,9 +3282,6 @@
               <a:lnSpc>
                 <a:spcPct val="100000"/>
               </a:lnSpc>
-              <a:spcBef>
-                <a:spcPts val="606"/>
-              </a:spcBef>
             </a:pPr>
             <a:r>
               <a:rPr sz="900" b="1">
@@ -3300,9 +3297,9 @@
               <a:lnSpc>
                 <a:spcPct val="100000"/>
               </a:lnSpc>
-              <a:spcBef>
-                <a:spcPts val="606"/>
-              </a:spcBef>
+              <a:spcAft>
+                <a:spcPts val="600"/>
+              </a:spcAft>
             </a:pPr>
             <a:r>
               <a:rPr sz="900">
@@ -3318,55 +3315,27 @@
             </a:r>
           </a:p>
           <a:p>
+            <a:pPr>
+              <a:spcBef>
+                <a:spcPts val="0"/>
+              </a:spcBef>
+              <a:spcAft>
+                <a:spcPts val="0"/>
+              </a:spcAft>
+            </a:pPr>
+            <a:r>
+              <a:rPr sz="900"/>
+              <a:t>- Currency in checking/savings accounts Short-term - Treasury bills (maturing &lt;3 months) Commercial - paper from AAA-rated corporations Money market - funds with daily liquidity - Petty cash reserves for office expenses Foreign - currency holdings in major currencies Undeposited - checks from customers Cash in transit between bank - accounts</a:t>
+            </a:r>
+          </a:p>
+          <a:p>
             <a:pPr algn="l">
               <a:lnSpc>
                 <a:spcPct val="100000"/>
               </a:lnSpc>
-              <a:spcBef>
-                <a:spcPts val="606"/>
-              </a:spcBef>
-            </a:pPr>
-            <a:r>
-              <a:rPr sz="900"/>
-              <a:t>- Currency in checking/savings accounts Short-term </a:t>
-            </a:r>
-            <a:r>
-              <a:rPr sz="900"/>
-              <a:t>- Treasury bills (maturing &lt;3 months) Commercial </a:t>
-            </a:r>
-            <a:r>
-              <a:rPr sz="900"/>
-              <a:t>- paper from AAA-rated corporations Money market </a:t>
-            </a:r>
-            <a:r>
-              <a:rPr sz="900"/>
-              <a:t>- funds with daily liquidity </a:t>
-            </a:r>
-            <a:r>
-              <a:rPr sz="900"/>
-              <a:t>- Petty cash reserves for office expenses Foreign </a:t>
-            </a:r>
-            <a:r>
-              <a:rPr sz="900"/>
-              <a:t>- currency holdings in major currencies Undeposited </a:t>
-            </a:r>
-            <a:r>
-              <a:rPr sz="900"/>
-              <a:t>- checks from customers Cash in transit between bank </a:t>
-            </a:r>
-            <a:r>
-              <a:rPr sz="900"/>
-              <a:t>- accounts </a:t>
-            </a:r>
-          </a:p>
-          <a:p>
-            <a:pPr algn="l">
-              <a:lnSpc>
-                <a:spcPct val="100000"/>
-              </a:lnSpc>
-              <a:spcBef>
-                <a:spcPts val="606"/>
-              </a:spcBef>
+              <a:spcAft>
+                <a:spcPts val="600"/>
+              </a:spcAft>
             </a:pPr>
             <a:r>
               <a:rPr sz="900">
@@ -3382,47 +3351,27 @@
             </a:r>
           </a:p>
           <a:p>
+            <a:pPr>
+              <a:spcBef>
+                <a:spcPts val="0"/>
+              </a:spcBef>
+              <a:spcAft>
+                <a:spcPts val="0"/>
+              </a:spcAft>
+            </a:pPr>
+            <a:r>
+              <a:rPr sz="900"/>
+              <a:t>- Corporate bonds with &lt;1yr maturity - Government agency securities Certificates of - deposit (CDs) - Bankers' acceptances Commercial paper holdings - Treasury notes maturing within 12 months - Highly liquid ETF positions</a:t>
+            </a:r>
+          </a:p>
+          <a:p>
             <a:pPr algn="l">
               <a:lnSpc>
                 <a:spcPct val="100000"/>
               </a:lnSpc>
-              <a:spcBef>
-                <a:spcPts val="606"/>
-              </a:spcBef>
-            </a:pPr>
-            <a:r>
-              <a:rPr sz="900"/>
-              <a:t>- Corporate bonds with &lt;1yr maturity </a:t>
-            </a:r>
-            <a:r>
-              <a:rPr sz="900"/>
-              <a:t>- Government agency securities Certificates of </a:t>
-            </a:r>
-            <a:r>
-              <a:rPr sz="900"/>
-              <a:t>- deposit (CDs) </a:t>
-            </a:r>
-            <a:r>
-              <a:rPr sz="900"/>
-              <a:t>- Bankers' acceptances Commercial paper holdings </a:t>
-            </a:r>
-            <a:r>
-              <a:rPr sz="900"/>
-              <a:t>- Treasury notes maturing within 12 months </a:t>
-            </a:r>
-            <a:r>
-              <a:rPr sz="900"/>
-              <a:t>- Highly liquid ETF positions </a:t>
-            </a:r>
-          </a:p>
-          <a:p>
-            <a:pPr algn="l">
-              <a:lnSpc>
-                <a:spcPct val="100000"/>
-              </a:lnSpc>
-              <a:spcBef>
-                <a:spcPts val="606"/>
-              </a:spcBef>
+              <a:spcAft>
+                <a:spcPts val="600"/>
+              </a:spcAft>
             </a:pPr>
             <a:r>
               <a:rPr sz="900">
@@ -3438,55 +3387,24 @@
             </a:r>
           </a:p>
           <a:p>
+            <a:pPr>
+              <a:spcBef>
+                <a:spcPts val="0"/>
+              </a:spcBef>
+              <a:spcAft>
+                <a:spcPts val="0"/>
+              </a:spcAft>
+            </a:pPr>
+            <a:r>
+              <a:rPr sz="900"/>
+              <a:t>- Trade receivables from normal operations - Installment receivables from long-term contracts - Receivables from affiliated companies - Allowance for doubtful accounts calculation - Aging schedule analysis (30/60/90 days) - Credit memo adjustments - Factored receivables disclosure - Unbilled receivables from progress contracts</a:t>
+            </a:r>
+          </a:p>
+          <a:p>
             <a:pPr algn="l">
               <a:lnSpc>
                 <a:spcPct val="100000"/>
               </a:lnSpc>
-              <a:spcBef>
-                <a:spcPts val="606"/>
-              </a:spcBef>
-            </a:pPr>
-            <a:r>
-              <a:rPr sz="900"/>
-              <a:t>- Trade receivables from normal operations </a:t>
-            </a:r>
-            <a:r>
-              <a:rPr sz="900"/>
-              <a:t>- Installment receivables from long-term contracts </a:t>
-            </a:r>
-            <a:r>
-              <a:rPr sz="900"/>
-              <a:t>- Receivables from affiliated companies </a:t>
-            </a:r>
-            <a:r>
-              <a:rPr sz="900"/>
-              <a:t>- Allowance for doubtful accounts calculation </a:t>
-            </a:r>
-            <a:r>
-              <a:rPr sz="900"/>
-              <a:t>- Aging schedule analysis (30/60/90 days) </a:t>
-            </a:r>
-            <a:r>
-              <a:rPr sz="900"/>
-              <a:t>- Credit memo adjustments </a:t>
-            </a:r>
-            <a:r>
-              <a:rPr sz="900"/>
-              <a:t>- Factored receivables disclosure </a:t>
-            </a:r>
-            <a:r>
-              <a:rPr sz="900"/>
-              <a:t>- Unbilled receivables from progress contracts </a:t>
-            </a:r>
-          </a:p>
-          <a:p>
-            <a:pPr algn="l">
-              <a:lnSpc>
-                <a:spcPct val="100000"/>
-              </a:lnSpc>
-              <a:spcBef>
-                <a:spcPts val="606"/>
-              </a:spcBef>
             </a:pPr>
             <a:r>
               <a:rPr sz="900" b="1">
@@ -3502,9 +3420,9 @@
               <a:lnSpc>
                 <a:spcPct val="100000"/>
               </a:lnSpc>
-              <a:spcBef>
-                <a:spcPts val="606"/>
-              </a:spcBef>
+              <a:spcAft>
+                <a:spcPts val="600"/>
+              </a:spcAft>
             </a:pPr>
             <a:r>
               <a:rPr sz="900">
@@ -3520,41 +3438,17 @@
             </a:r>
           </a:p>
           <a:p>
-            <a:pPr algn="l">
-              <a:lnSpc>
-                <a:spcPct val="100000"/>
-              </a:lnSpc>
+            <a:pPr>
               <a:spcBef>
-                <a:spcPts val="606"/>
+                <a:spcPts val="0"/>
               </a:spcBef>
+              <a:spcAft>
+                <a:spcPts val="0"/>
+              </a:spcAft>
             </a:pPr>
             <a:r>
               <a:rPr sz="900"/>
-              <a:t>- Land acquisition costs (original purchase) </a:t>
-            </a:r>
-            <a:r>
-              <a:rPr sz="900"/>
-              <a:t>- Building improvements capitalization </a:t>
-            </a:r>
-            <a:r>
-              <a:rPr sz="900"/>
-              <a:t>- Machinery installation costs Equipment </a:t>
-            </a:r>
-            <a:r>
-              <a:rPr sz="900"/>
-              <a:t>- depreciation schedules </a:t>
-            </a:r>
-            <a:r>
-              <a:rPr sz="900"/>
-              <a:t>- Leasehold improvement amortization </a:t>
-            </a:r>
-            <a:r>
-              <a:rPr sz="900"/>
-              <a:t>- Construction-in-progress accounts </a:t>
-            </a:r>
-            <a:r>
-              <a:rPr sz="900"/>
-              <a:t>- Capitalized interest during construction </a:t>
+              <a:t>- Land acquisition costs (original purchase) - Building improvements capitalization - Machinery installation costs Equipment - depreciation schedules - Leasehold improvement amortization - Construction-in-progress accounts - Capitalized interest during construction</a:t>
             </a:r>
           </a:p>
         </p:txBody>
@@ -3586,17 +3480,15 @@
           </a:solidFill>
         </p:spPr>
         <p:txBody>
-          <a:bodyPr wrap="square" anchor="t">
-            <a:normAutofit/>
+          <a:bodyPr wrap="square" lIns="64008" rIns="64008" anchor="t">
+            <a:spAutoFit/>
           </a:bodyPr>
           <a:lstStyle/>
           <a:p>
             <a:endParaRPr/>
           </a:p>
           <a:p>
-            <a:pPr algn="just">
-              <a:ind left="0"/>
-            </a:pPr>
+            <a:pPr algn="just"/>
             <a:r>
               <a:rPr sz="900" b="1">
                 <a:solidFill>
@@ -3665,9 +3557,6 @@
               <a:lnSpc>
                 <a:spcPct val="100000"/>
               </a:lnSpc>
-              <a:spcBef>
-                <a:spcPts val="606"/>
-              </a:spcBef>
             </a:pPr>
             <a:r>
               <a:rPr sz="900" b="1">
@@ -3683,9 +3572,9 @@
               <a:lnSpc>
                 <a:spcPct val="100000"/>
               </a:lnSpc>
-              <a:spcBef>
-                <a:spcPts val="606"/>
-              </a:spcBef>
+              <a:spcAft>
+                <a:spcPts val="600"/>
+              </a:spcAft>
             </a:pPr>
             <a:r>
               <a:rPr sz="900">
@@ -3701,51 +3590,27 @@
             </a:r>
           </a:p>
           <a:p>
+            <a:pPr>
+              <a:spcBef>
+                <a:spcPts val="0"/>
+              </a:spcBef>
+              <a:spcAft>
+                <a:spcPts val="0"/>
+              </a:spcAft>
+            </a:pPr>
+            <a:r>
+              <a:rPr sz="900"/>
+              <a:t>- Patent acquisition and amortization - Trademark registration/maintenance costs - Customer list valuations - Non-compete agreement valuations - Software development costs - Licensing agreements fair value - Goodwill impairment testing methodology</a:t>
+            </a:r>
+          </a:p>
+          <a:p>
             <a:pPr algn="l">
               <a:lnSpc>
                 <a:spcPct val="100000"/>
               </a:lnSpc>
-              <a:spcBef>
-                <a:spcPts val="606"/>
-              </a:spcBef>
-            </a:pPr>
-            <a:r>
-              <a:rPr sz="900"/>
-              <a:t>- Patent acquisition and amortization </a:t>
-            </a:r>
-            <a:r>
-              <a:rPr sz="900"/>
-              <a:t>- Trademark registration/maintenance costs </a:t>
-            </a:r>
-            <a:r>
-              <a:rPr sz="900"/>
-              <a:t>- Customer list valuations </a:t>
-            </a:r>
-            <a:r>
-              <a:rPr sz="900"/>
-              <a:t>- Non-compete agreement valuations </a:t>
-            </a:r>
-            <a:r>
-              <a:rPr sz="900"/>
-              <a:t>- Software development costs </a:t>
-            </a:r>
-            <a:r>
-              <a:rPr sz="900"/>
-              <a:t>- Licensing agreements fair value </a:t>
-            </a:r>
-            <a:r>
-              <a:rPr sz="900"/>
-              <a:t>- Goodwill impairment testing methodology </a:t>
-            </a:r>
-          </a:p>
-          <a:p>
-            <a:pPr algn="l">
-              <a:lnSpc>
-                <a:spcPct val="100000"/>
-              </a:lnSpc>
-              <a:spcBef>
-                <a:spcPts val="606"/>
-              </a:spcBef>
+              <a:spcAft>
+                <a:spcPts val="600"/>
+              </a:spcAft>
             </a:pPr>
             <a:r>
               <a:rPr sz="900">
@@ -3761,51 +3626,24 @@
             </a:r>
           </a:p>
           <a:p>
+            <a:pPr>
+              <a:spcBef>
+                <a:spcPts val="0"/>
+              </a:spcBef>
+              <a:spcAft>
+                <a:spcPts val="0"/>
+              </a:spcAft>
+            </a:pPr>
+            <a:r>
+              <a:rPr sz="900"/>
+              <a:t>- Held-to-maturity securities portfolio - Equity method investment accounting - Real estate held for appreciation - Venture capital fund investments - Convertible debt instruments - Restricted stock holdings - Investments in subsidiaries</a:t>
+            </a:r>
+          </a:p>
+          <a:p>
             <a:pPr algn="l">
               <a:lnSpc>
                 <a:spcPct val="100000"/>
               </a:lnSpc>
-              <a:spcBef>
-                <a:spcPts val="606"/>
-              </a:spcBef>
-            </a:pPr>
-            <a:r>
-              <a:rPr sz="900"/>
-              <a:t>- Held-to-maturity securities portfolio </a:t>
-            </a:r>
-            <a:r>
-              <a:rPr sz="900"/>
-              <a:t>- Equity method investment accounting </a:t>
-            </a:r>
-            <a:r>
-              <a:rPr sz="900"/>
-              <a:t>- Real estate held for appreciation </a:t>
-            </a:r>
-            <a:r>
-              <a:rPr sz="900"/>
-              <a:t>- Venture capital fund investments </a:t>
-            </a:r>
-            <a:r>
-              <a:rPr sz="900"/>
-              <a:t>- Convertible debt instruments </a:t>
-            </a:r>
-            <a:r>
-              <a:rPr sz="900"/>
-              <a:t>- Restricted stock holdings </a:t>
-            </a:r>
-            <a:r>
-              <a:rPr sz="900"/>
-              <a:t>- Investments in subsidiaries </a:t>
-            </a:r>
-          </a:p>
-          <a:p>
-            <a:pPr algn="l">
-              <a:lnSpc>
-                <a:spcPct val="100000"/>
-              </a:lnSpc>
-              <a:spcBef>
-                <a:spcPts val="606"/>
-              </a:spcBef>
             </a:pPr>
             <a:r>
               <a:rPr sz="900" b="1">
@@ -3821,9 +3659,9 @@
               <a:lnSpc>
                 <a:spcPct val="100000"/>
               </a:lnSpc>
-              <a:spcBef>
-                <a:spcPts val="606"/>
-              </a:spcBef>
+              <a:spcAft>
+                <a:spcPts val="600"/>
+              </a:spcAft>
             </a:pPr>
             <a:r>
               <a:rPr sz="900">
@@ -3839,51 +3677,27 @@
             </a:r>
           </a:p>
           <a:p>
+            <a:pPr>
+              <a:spcBef>
+                <a:spcPts val="0"/>
+              </a:spcBef>
+              <a:spcAft>
+                <a:spcPts val="0"/>
+              </a:spcAft>
+            </a:pPr>
+            <a:r>
+              <a:rPr sz="900"/>
+              <a:t>- Trade payables to suppliers - Accrued purchases for goods received - Third-party processor withholdings Construction - retainage payable - Dividends declared but unpaid - Customer deposits/advance payments - Escheat liability estimates</a:t>
+            </a:r>
+          </a:p>
+          <a:p>
             <a:pPr algn="l">
               <a:lnSpc>
                 <a:spcPct val="100000"/>
               </a:lnSpc>
-              <a:spcBef>
-                <a:spcPts val="606"/>
-              </a:spcBef>
-            </a:pPr>
-            <a:r>
-              <a:rPr sz="900"/>
-              <a:t>- Trade payables to suppliers </a:t>
-            </a:r>
-            <a:r>
-              <a:rPr sz="900"/>
-              <a:t>- Accrued purchases for goods received </a:t>
-            </a:r>
-            <a:r>
-              <a:rPr sz="900"/>
-              <a:t>- Third-party processor withholdings Construction </a:t>
-            </a:r>
-            <a:r>
-              <a:rPr sz="900"/>
-              <a:t>- retainage payable </a:t>
-            </a:r>
-            <a:r>
-              <a:rPr sz="900"/>
-              <a:t>- Dividends declared but unpaid </a:t>
-            </a:r>
-            <a:r>
-              <a:rPr sz="900"/>
-              <a:t>- Customer deposits/advance payments </a:t>
-            </a:r>
-            <a:r>
-              <a:rPr sz="900"/>
-              <a:t>- Escheat liability estimates </a:t>
-            </a:r>
-          </a:p>
-          <a:p>
-            <a:pPr algn="l">
-              <a:lnSpc>
-                <a:spcPct val="100000"/>
-              </a:lnSpc>
-              <a:spcBef>
-                <a:spcPts val="606"/>
-              </a:spcBef>
+              <a:spcAft>
+                <a:spcPts val="600"/>
+              </a:spcAft>
             </a:pPr>
             <a:r>
               <a:rPr sz="900">
@@ -3899,51 +3713,24 @@
             </a:r>
           </a:p>
           <a:p>
+            <a:pPr>
+              <a:spcBef>
+                <a:spcPts val="0"/>
+              </a:spcBef>
+              <a:spcAft>
+                <a:spcPts val="0"/>
+              </a:spcAft>
+            </a:pPr>
+            <a:r>
+              <a:rPr sz="900"/>
+              <a:t>- Commercial paper outstanding - Revolving credit facility draws - Current portion of long-term debt - Bank overdraft facilities used - Short-term lease liabilities - Vendor financing arrangements - Convertible debt equity component</a:t>
+            </a:r>
+          </a:p>
+          <a:p>
             <a:pPr algn="l">
               <a:lnSpc>
                 <a:spcPct val="100000"/>
               </a:lnSpc>
-              <a:spcBef>
-                <a:spcPts val="606"/>
-              </a:spcBef>
-            </a:pPr>
-            <a:r>
-              <a:rPr sz="900"/>
-              <a:t>- Commercial paper outstanding </a:t>
-            </a:r>
-            <a:r>
-              <a:rPr sz="900"/>
-              <a:t>- Revolving credit facility draws </a:t>
-            </a:r>
-            <a:r>
-              <a:rPr sz="900"/>
-              <a:t>- Current portion of long-term debt </a:t>
-            </a:r>
-            <a:r>
-              <a:rPr sz="900"/>
-              <a:t>- Bank overdraft facilities used </a:t>
-            </a:r>
-            <a:r>
-              <a:rPr sz="900"/>
-              <a:t>- Short-term lease liabilities </a:t>
-            </a:r>
-            <a:r>
-              <a:rPr sz="900"/>
-              <a:t>- Vendor financing arrangements </a:t>
-            </a:r>
-            <a:r>
-              <a:rPr sz="900"/>
-              <a:t>- Convertible debt equity component </a:t>
-            </a:r>
-          </a:p>
-          <a:p>
-            <a:pPr algn="l">
-              <a:lnSpc>
-                <a:spcPct val="100000"/>
-              </a:lnSpc>
-              <a:spcBef>
-                <a:spcPts val="606"/>
-              </a:spcBef>
             </a:pPr>
             <a:r>
               <a:rPr sz="900" b="1">
@@ -3959,9 +3746,9 @@
               <a:lnSpc>
                 <a:spcPct val="100000"/>
               </a:lnSpc>
-              <a:spcBef>
-                <a:spcPts val="606"/>
-              </a:spcBef>
+              <a:spcAft>
+                <a:spcPts val="600"/>
+              </a:spcAft>
             </a:pPr>
             <a:r>
               <a:rPr sz="900">
@@ -3977,17 +3764,17 @@
             </a:r>
           </a:p>
           <a:p>
-            <a:pPr algn="l">
-              <a:lnSpc>
-                <a:spcPct val="100000"/>
-              </a:lnSpc>
+            <a:pPr>
               <a:spcBef>
-                <a:spcPts val="606"/>
+                <a:spcPts val="0"/>
               </a:spcBef>
+              <a:spcAft>
+                <a:spcPts val="0"/>
+              </a:spcAft>
             </a:pPr>
             <a:r>
               <a:rPr sz="900"/>
-              <a:t>- Corporate bond issuance at premium/discount Debenture conversion features Sinking fund requirements Unamortized bond issuance costs Fair value hedge adjustments Callable bond </a:t>
+              <a:t>- Corporate bond issuance at premium/discount Debenture conversion features Sinking fund requirements Unamortized bond issuance costs Fair value hedge adjustments Callable bond</a:t>
             </a:r>
           </a:p>
         </p:txBody>
@@ -4023,9 +3810,6 @@
               <a:lnSpc>
                 <a:spcPct val="100000"/>
               </a:lnSpc>
-              <a:spcBef>
-                <a:spcPts val="606"/>
-              </a:spcBef>
             </a:pPr>
             <a:r>
               <a:rPr sz="900" b="1">
@@ -4041,9 +3825,9 @@
               <a:lnSpc>
                 <a:spcPct val="100000"/>
               </a:lnSpc>
-              <a:spcBef>
-                <a:spcPts val="606"/>
-              </a:spcBef>
+              <a:spcAft>
+                <a:spcPts val="600"/>
+              </a:spcAft>
             </a:pPr>
             <a:r>
               <a:rPr sz="900">
@@ -4055,7 +3839,21 @@
             </a:r>
             <a:r>
               <a:rPr sz="900" b="1"/>
-              <a:t>Bonds Payable</a:t>
+              <a:t>(continued) Bonds Payable</a:t>
+            </a:r>
+          </a:p>
+          <a:p>
+            <a:pPr>
+              <a:spcBef>
+                <a:spcPts val="0"/>
+              </a:spcBef>
+              <a:spcAft>
+                <a:spcPts val="0"/>
+              </a:spcAft>
+            </a:pPr>
+            <a:r>
+              <a:rPr sz="900"/>
+              <a:t>- provisions Convertible bond accounting</a:t>
             </a:r>
           </a:p>
           <a:p>
@@ -4063,23 +3861,9 @@
               <a:lnSpc>
                 <a:spcPct val="100000"/>
               </a:lnSpc>
-              <a:spcBef>
-                <a:spcPts val="606"/>
-              </a:spcBef>
-            </a:pPr>
-            <a:r>
-              <a:rPr sz="900"/>
-              <a:t>- provisions Convertible bond accounting </a:t>
-            </a:r>
-          </a:p>
-          <a:p>
-            <a:pPr algn="l">
-              <a:lnSpc>
-                <a:spcPct val="100000"/>
-              </a:lnSpc>
-              <a:spcBef>
-                <a:spcPts val="606"/>
-              </a:spcBef>
+              <a:spcAft>
+                <a:spcPts val="600"/>
+              </a:spcAft>
             </a:pPr>
             <a:r>
               <a:rPr sz="900">
@@ -4095,51 +3879,24 @@
             </a:r>
           </a:p>
           <a:p>
+            <a:pPr>
+              <a:spcBef>
+                <a:spcPts val="0"/>
+              </a:spcBef>
+              <a:spcAft>
+                <a:spcPts val="0"/>
+              </a:spcAft>
+            </a:pPr>
+            <a:r>
+              <a:rPr sz="900"/>
+              <a:t>- Defined benefit obligation calculations - Actuarial gains/losses recognition - Plan asset valuations - Curtailment/settlement accounting - Multi-employer plan disclosures - Post-employment benefits accrual - Termination benefit provisions</a:t>
+            </a:r>
+          </a:p>
+          <a:p>
             <a:pPr algn="l">
               <a:lnSpc>
                 <a:spcPct val="100000"/>
               </a:lnSpc>
-              <a:spcBef>
-                <a:spcPts val="606"/>
-              </a:spcBef>
-            </a:pPr>
-            <a:r>
-              <a:rPr sz="900"/>
-              <a:t>- Defined benefit obligation calculations </a:t>
-            </a:r>
-            <a:r>
-              <a:rPr sz="900"/>
-              <a:t>- Actuarial gains/losses recognition </a:t>
-            </a:r>
-            <a:r>
-              <a:rPr sz="900"/>
-              <a:t>- Plan asset valuations </a:t>
-            </a:r>
-            <a:r>
-              <a:rPr sz="900"/>
-              <a:t>- Curtailment/settlement accounting </a:t>
-            </a:r>
-            <a:r>
-              <a:rPr sz="900"/>
-              <a:t>- Multi-employer plan disclosures </a:t>
-            </a:r>
-            <a:r>
-              <a:rPr sz="900"/>
-              <a:t>- Post-employment benefits accrual </a:t>
-            </a:r>
-            <a:r>
-              <a:rPr sz="900"/>
-              <a:t>- Termination benefit provisions </a:t>
-            </a:r>
-          </a:p>
-          <a:p>
-            <a:pPr algn="l">
-              <a:lnSpc>
-                <a:spcPct val="100000"/>
-              </a:lnSpc>
-              <a:spcBef>
-                <a:spcPts val="606"/>
-              </a:spcBef>
             </a:pPr>
             <a:r>
               <a:rPr sz="900" b="1">
@@ -4155,9 +3912,9 @@
               <a:lnSpc>
                 <a:spcPct val="100000"/>
               </a:lnSpc>
-              <a:spcBef>
-                <a:spcPts val="606"/>
-              </a:spcBef>
+              <a:spcAft>
+                <a:spcPts val="600"/>
+              </a:spcAft>
             </a:pPr>
             <a:r>
               <a:rPr sz="900">
@@ -4173,51 +3930,27 @@
             </a:r>
           </a:p>
           <a:p>
+            <a:pPr>
+              <a:spcBef>
+                <a:spcPts val="0"/>
+              </a:spcBef>
+              <a:spcAft>
+                <a:spcPts val="0"/>
+              </a:spcAft>
+            </a:pPr>
+            <a:r>
+              <a:rPr sz="900"/>
+              <a:t>- Par value per share disclosure - Authorized shares vs outstanding - Treasury stock accounting method - Stock split adjustments - Stock option pool reserves - Restricted stock unit accruals - Dividend reinvestment plan shares</a:t>
+            </a:r>
+          </a:p>
+          <a:p>
             <a:pPr algn="l">
               <a:lnSpc>
                 <a:spcPct val="100000"/>
               </a:lnSpc>
-              <a:spcBef>
-                <a:spcPts val="606"/>
-              </a:spcBef>
-            </a:pPr>
-            <a:r>
-              <a:rPr sz="900"/>
-              <a:t>- Par value per share disclosure </a:t>
-            </a:r>
-            <a:r>
-              <a:rPr sz="900"/>
-              <a:t>- Authorized shares vs outstanding </a:t>
-            </a:r>
-            <a:r>
-              <a:rPr sz="900"/>
-              <a:t>- Treasury stock accounting method </a:t>
-            </a:r>
-            <a:r>
-              <a:rPr sz="900"/>
-              <a:t>- Stock split adjustments </a:t>
-            </a:r>
-            <a:r>
-              <a:rPr sz="900"/>
-              <a:t>- Stock option pool reserves </a:t>
-            </a:r>
-            <a:r>
-              <a:rPr sz="900"/>
-              <a:t>- Restricted stock unit accruals </a:t>
-            </a:r>
-            <a:r>
-              <a:rPr sz="900"/>
-              <a:t>- Dividend reinvestment plan shares </a:t>
-            </a:r>
-          </a:p>
-          <a:p>
-            <a:pPr algn="l">
-              <a:lnSpc>
-                <a:spcPct val="100000"/>
-              </a:lnSpc>
-              <a:spcBef>
-                <a:spcPts val="606"/>
-              </a:spcBef>
+              <a:spcAft>
+                <a:spcPts val="600"/>
+              </a:spcAft>
             </a:pPr>
             <a:r>
               <a:rPr sz="900">
@@ -4233,41 +3966,17 @@
             </a:r>
           </a:p>
           <a:p>
-            <a:pPr algn="l">
-              <a:lnSpc>
-                <a:spcPct val="100000"/>
-              </a:lnSpc>
+            <a:pPr>
               <a:spcBef>
-                <a:spcPts val="606"/>
+                <a:spcPts val="0"/>
               </a:spcBef>
+              <a:spcAft>
+                <a:spcPts val="0"/>
+              </a:spcAft>
             </a:pPr>
             <a:r>
               <a:rPr sz="900"/>
-              <a:t>- Prior period adjustments </a:t>
-            </a:r>
-            <a:r>
-              <a:rPr sz="900"/>
-              <a:t>- Dividend declaration accounting </a:t>
-            </a:r>
-            <a:r>
-              <a:rPr sz="900"/>
-              <a:t>- ESOP allocation impacts </a:t>
-            </a:r>
-            <a:r>
-              <a:rPr sz="900"/>
-              <a:t>- Foreign currency translation adjustments </a:t>
-            </a:r>
-            <a:r>
-              <a:rPr sz="900"/>
-              <a:t>- Hedging reserve balances </a:t>
-            </a:r>
-            <a:r>
-              <a:rPr sz="900"/>
-              <a:t>- Revaluation surplus accounts </a:t>
-            </a:r>
-            <a:r>
-              <a:rPr sz="900"/>
-              <a:t>- Accumulated other comprehensive income </a:t>
+              <a:t>- Prior period adjustments - Dividend declaration accounting - ESOP allocation impacts - Foreign currency translation adjustments - Hedging reserve balances - Revaluation surplus accounts - Accumulated other comprehensive income</a:t>
             </a:r>
           </a:p>
         </p:txBody>
@@ -4299,17 +4008,15 @@
           </a:solidFill>
         </p:spPr>
         <p:txBody>
-          <a:bodyPr wrap="square" anchor="t">
-            <a:normAutofit/>
+          <a:bodyPr wrap="square" lIns="64008" rIns="64008" anchor="t">
+            <a:spAutoFit/>
           </a:bodyPr>
           <a:lstStyle/>
           <a:p>
             <a:endParaRPr/>
           </a:p>
           <a:p>
-            <a:pPr algn="just">
-              <a:ind left="0"/>
-            </a:pPr>
+            <a:pPr algn="just"/>
             <a:r>
               <a:rPr sz="900" b="1">
                 <a:solidFill>

--- a/final_report.pptx
+++ b/final_report.pptx
@@ -3298,7 +3298,7 @@
                 <a:spcPct val="100000"/>
               </a:lnSpc>
               <a:spcAft>
-                <a:spcPts val="600"/>
+                <a:spcPts val="0"/>
               </a:spcAft>
             </a:pPr>
             <a:r>
@@ -3334,7 +3334,7 @@
                 <a:spcPct val="100000"/>
               </a:lnSpc>
               <a:spcAft>
-                <a:spcPts val="600"/>
+                <a:spcPts val="0"/>
               </a:spcAft>
             </a:pPr>
             <a:r>
@@ -3370,7 +3370,7 @@
                 <a:spcPct val="100000"/>
               </a:lnSpc>
               <a:spcAft>
-                <a:spcPts val="600"/>
+                <a:spcPts val="0"/>
               </a:spcAft>
             </a:pPr>
             <a:r>
@@ -3421,7 +3421,7 @@
                 <a:spcPct val="100000"/>
               </a:lnSpc>
               <a:spcAft>
-                <a:spcPts val="600"/>
+                <a:spcPts val="0"/>
               </a:spcAft>
             </a:pPr>
             <a:r>
@@ -3573,7 +3573,7 @@
                 <a:spcPct val="100000"/>
               </a:lnSpc>
               <a:spcAft>
-                <a:spcPts val="600"/>
+                <a:spcPts val="0"/>
               </a:spcAft>
             </a:pPr>
             <a:r>
@@ -3609,7 +3609,7 @@
                 <a:spcPct val="100000"/>
               </a:lnSpc>
               <a:spcAft>
-                <a:spcPts val="600"/>
+                <a:spcPts val="0"/>
               </a:spcAft>
             </a:pPr>
             <a:r>
@@ -3660,7 +3660,7 @@
                 <a:spcPct val="100000"/>
               </a:lnSpc>
               <a:spcAft>
-                <a:spcPts val="600"/>
+                <a:spcPts val="0"/>
               </a:spcAft>
             </a:pPr>
             <a:r>
@@ -3696,7 +3696,7 @@
                 <a:spcPct val="100000"/>
               </a:lnSpc>
               <a:spcAft>
-                <a:spcPts val="600"/>
+                <a:spcPts val="0"/>
               </a:spcAft>
             </a:pPr>
             <a:r>
@@ -3747,7 +3747,7 @@
                 <a:spcPct val="100000"/>
               </a:lnSpc>
               <a:spcAft>
-                <a:spcPts val="600"/>
+                <a:spcPts val="0"/>
               </a:spcAft>
             </a:pPr>
             <a:r>
@@ -3826,7 +3826,7 @@
                 <a:spcPct val="100000"/>
               </a:lnSpc>
               <a:spcAft>
-                <a:spcPts val="600"/>
+                <a:spcPts val="0"/>
               </a:spcAft>
             </a:pPr>
             <a:r>
@@ -3862,7 +3862,7 @@
                 <a:spcPct val="100000"/>
               </a:lnSpc>
               <a:spcAft>
-                <a:spcPts val="600"/>
+                <a:spcPts val="0"/>
               </a:spcAft>
             </a:pPr>
             <a:r>
@@ -3913,7 +3913,7 @@
                 <a:spcPct val="100000"/>
               </a:lnSpc>
               <a:spcAft>
-                <a:spcPts val="600"/>
+                <a:spcPts val="0"/>
               </a:spcAft>
             </a:pPr>
             <a:r>
@@ -3949,7 +3949,7 @@
                 <a:spcPct val="100000"/>
               </a:lnSpc>
               <a:spcAft>
-                <a:spcPts val="600"/>
+                <a:spcPts val="0"/>
               </a:spcAft>
             </a:pPr>
             <a:r>

--- a/final_report.pptx
+++ b/final_report.pptx
@@ -3278,7 +3278,7 @@
             <a:endParaRPr/>
           </a:p>
           <a:p>
-            <a:pPr algn="l">
+            <a:pPr algn="just">
               <a:lnSpc>
                 <a:spcPct val="100000"/>
               </a:lnSpc>
@@ -3293,13 +3293,10 @@
             </a:r>
           </a:p>
           <a:p>
-            <a:pPr algn="l">
+            <a:pPr algn="just">
               <a:lnSpc>
                 <a:spcPct val="100000"/>
               </a:lnSpc>
-              <a:spcAft>
-                <a:spcPts val="0"/>
-              </a:spcAft>
             </a:pPr>
             <a:r>
               <a:rPr sz="900">
@@ -3315,27 +3312,17 @@
             </a:r>
           </a:p>
           <a:p>
-            <a:pPr>
-              <a:spcBef>
-                <a:spcPts val="0"/>
-              </a:spcBef>
-              <a:spcAft>
-                <a:spcPts val="0"/>
-              </a:spcAft>
-            </a:pPr>
+            <a:pPr algn="just"/>
             <a:r>
               <a:rPr sz="900"/>
               <a:t>- Currency in checking/savings accounts Short-term - Treasury bills (maturing &lt;3 months) Commercial - paper from AAA-rated corporations Money market - funds with daily liquidity - Petty cash reserves for office expenses Foreign - currency holdings in major currencies Undeposited - checks from customers Cash in transit between bank - accounts</a:t>
             </a:r>
           </a:p>
           <a:p>
-            <a:pPr algn="l">
+            <a:pPr algn="just">
               <a:lnSpc>
                 <a:spcPct val="100000"/>
               </a:lnSpc>
-              <a:spcAft>
-                <a:spcPts val="0"/>
-              </a:spcAft>
             </a:pPr>
             <a:r>
               <a:rPr sz="900">
@@ -3351,27 +3338,17 @@
             </a:r>
           </a:p>
           <a:p>
-            <a:pPr>
-              <a:spcBef>
-                <a:spcPts val="0"/>
-              </a:spcBef>
-              <a:spcAft>
-                <a:spcPts val="0"/>
-              </a:spcAft>
-            </a:pPr>
+            <a:pPr algn="just"/>
             <a:r>
               <a:rPr sz="900"/>
               <a:t>- Corporate bonds with &lt;1yr maturity - Government agency securities Certificates of - deposit (CDs) - Bankers' acceptances Commercial paper holdings - Treasury notes maturing within 12 months - Highly liquid ETF positions</a:t>
             </a:r>
           </a:p>
           <a:p>
-            <a:pPr algn="l">
+            <a:pPr algn="just">
               <a:lnSpc>
                 <a:spcPct val="100000"/>
               </a:lnSpc>
-              <a:spcAft>
-                <a:spcPts val="0"/>
-              </a:spcAft>
             </a:pPr>
             <a:r>
               <a:rPr sz="900">
@@ -3387,21 +3364,14 @@
             </a:r>
           </a:p>
           <a:p>
-            <a:pPr>
-              <a:spcBef>
-                <a:spcPts val="0"/>
-              </a:spcBef>
-              <a:spcAft>
-                <a:spcPts val="0"/>
-              </a:spcAft>
-            </a:pPr>
+            <a:pPr algn="just"/>
             <a:r>
               <a:rPr sz="900"/>
               <a:t>- Trade receivables from normal operations - Installment receivables from long-term contracts - Receivables from affiliated companies - Allowance for doubtful accounts calculation - Aging schedule analysis (30/60/90 days) - Credit memo adjustments - Factored receivables disclosure - Unbilled receivables from progress contracts</a:t>
             </a:r>
           </a:p>
           <a:p>
-            <a:pPr algn="l">
+            <a:pPr algn="just">
               <a:lnSpc>
                 <a:spcPct val="100000"/>
               </a:lnSpc>
@@ -3416,13 +3386,10 @@
             </a:r>
           </a:p>
           <a:p>
-            <a:pPr algn="l">
+            <a:pPr algn="just">
               <a:lnSpc>
                 <a:spcPct val="100000"/>
               </a:lnSpc>
-              <a:spcAft>
-                <a:spcPts val="0"/>
-              </a:spcAft>
             </a:pPr>
             <a:r>
               <a:rPr sz="900">
@@ -3438,14 +3405,7 @@
             </a:r>
           </a:p>
           <a:p>
-            <a:pPr>
-              <a:spcBef>
-                <a:spcPts val="0"/>
-              </a:spcBef>
-              <a:spcAft>
-                <a:spcPts val="0"/>
-              </a:spcAft>
-            </a:pPr>
+            <a:pPr algn="just"/>
             <a:r>
               <a:rPr sz="900"/>
               <a:t>- Land acquisition costs (original purchase) - Building improvements capitalization - Machinery installation costs Equipment - depreciation schedules - Leasehold improvement amortization - Construction-in-progress accounts - Capitalized interest during construction</a:t>
@@ -3553,7 +3513,7 @@
             <a:endParaRPr/>
           </a:p>
           <a:p>
-            <a:pPr algn="l">
+            <a:pPr>
               <a:lnSpc>
                 <a:spcPct val="100000"/>
               </a:lnSpc>
@@ -3568,13 +3528,10 @@
             </a:r>
           </a:p>
           <a:p>
-            <a:pPr algn="l">
+            <a:pPr>
               <a:lnSpc>
                 <a:spcPct val="100000"/>
               </a:lnSpc>
-              <a:spcAft>
-                <a:spcPts val="0"/>
-              </a:spcAft>
             </a:pPr>
             <a:r>
               <a:rPr sz="900">
@@ -3590,27 +3547,16 @@
             </a:r>
           </a:p>
           <a:p>
-            <a:pPr>
-              <a:spcBef>
-                <a:spcPts val="0"/>
-              </a:spcBef>
-              <a:spcAft>
-                <a:spcPts val="0"/>
-              </a:spcAft>
-            </a:pPr>
             <a:r>
               <a:rPr sz="900"/>
               <a:t>- Patent acquisition and amortization - Trademark registration/maintenance costs - Customer list valuations - Non-compete agreement valuations - Software development costs - Licensing agreements fair value - Goodwill impairment testing methodology</a:t>
             </a:r>
           </a:p>
           <a:p>
-            <a:pPr algn="l">
+            <a:pPr>
               <a:lnSpc>
                 <a:spcPct val="100000"/>
               </a:lnSpc>
-              <a:spcAft>
-                <a:spcPts val="0"/>
-              </a:spcAft>
             </a:pPr>
             <a:r>
               <a:rPr sz="900">
@@ -3626,21 +3572,13 @@
             </a:r>
           </a:p>
           <a:p>
-            <a:pPr>
-              <a:spcBef>
-                <a:spcPts val="0"/>
-              </a:spcBef>
-              <a:spcAft>
-                <a:spcPts val="0"/>
-              </a:spcAft>
-            </a:pPr>
             <a:r>
               <a:rPr sz="900"/>
               <a:t>- Held-to-maturity securities portfolio - Equity method investment accounting - Real estate held for appreciation - Venture capital fund investments - Convertible debt instruments - Restricted stock holdings - Investments in subsidiaries</a:t>
             </a:r>
           </a:p>
           <a:p>
-            <a:pPr algn="l">
+            <a:pPr>
               <a:lnSpc>
                 <a:spcPct val="100000"/>
               </a:lnSpc>
@@ -3655,13 +3593,10 @@
             </a:r>
           </a:p>
           <a:p>
-            <a:pPr algn="l">
+            <a:pPr>
               <a:lnSpc>
                 <a:spcPct val="100000"/>
               </a:lnSpc>
-              <a:spcAft>
-                <a:spcPts val="0"/>
-              </a:spcAft>
             </a:pPr>
             <a:r>
               <a:rPr sz="900">
@@ -3677,27 +3612,16 @@
             </a:r>
           </a:p>
           <a:p>
-            <a:pPr>
-              <a:spcBef>
-                <a:spcPts val="0"/>
-              </a:spcBef>
-              <a:spcAft>
-                <a:spcPts val="0"/>
-              </a:spcAft>
-            </a:pPr>
             <a:r>
               <a:rPr sz="900"/>
               <a:t>- Trade payables to suppliers - Accrued purchases for goods received - Third-party processor withholdings Construction - retainage payable - Dividends declared but unpaid - Customer deposits/advance payments - Escheat liability estimates</a:t>
             </a:r>
           </a:p>
           <a:p>
-            <a:pPr algn="l">
+            <a:pPr>
               <a:lnSpc>
                 <a:spcPct val="100000"/>
               </a:lnSpc>
-              <a:spcAft>
-                <a:spcPts val="0"/>
-              </a:spcAft>
             </a:pPr>
             <a:r>
               <a:rPr sz="900">
@@ -3713,21 +3637,13 @@
             </a:r>
           </a:p>
           <a:p>
-            <a:pPr>
-              <a:spcBef>
-                <a:spcPts val="0"/>
-              </a:spcBef>
-              <a:spcAft>
-                <a:spcPts val="0"/>
-              </a:spcAft>
-            </a:pPr>
             <a:r>
               <a:rPr sz="900"/>
               <a:t>- Commercial paper outstanding - Revolving credit facility draws - Current portion of long-term debt - Bank overdraft facilities used - Short-term lease liabilities - Vendor financing arrangements - Convertible debt equity component</a:t>
             </a:r>
           </a:p>
           <a:p>
-            <a:pPr algn="l">
+            <a:pPr>
               <a:lnSpc>
                 <a:spcPct val="100000"/>
               </a:lnSpc>
@@ -3742,13 +3658,10 @@
             </a:r>
           </a:p>
           <a:p>
-            <a:pPr algn="l">
+            <a:pPr>
               <a:lnSpc>
                 <a:spcPct val="100000"/>
               </a:lnSpc>
-              <a:spcAft>
-                <a:spcPts val="0"/>
-              </a:spcAft>
             </a:pPr>
             <a:r>
               <a:rPr sz="900">
@@ -3764,14 +3677,6 @@
             </a:r>
           </a:p>
           <a:p>
-            <a:pPr>
-              <a:spcBef>
-                <a:spcPts val="0"/>
-              </a:spcBef>
-              <a:spcAft>
-                <a:spcPts val="0"/>
-              </a:spcAft>
-            </a:pPr>
             <a:r>
               <a:rPr sz="900"/>
               <a:t>- Corporate bond issuance at premium/discount Debenture conversion features Sinking fund requirements Unamortized bond issuance costs Fair value hedge adjustments Callable bond</a:t>
@@ -3806,7 +3711,7 @@
             <a:endParaRPr/>
           </a:p>
           <a:p>
-            <a:pPr algn="l">
+            <a:pPr>
               <a:lnSpc>
                 <a:spcPct val="100000"/>
               </a:lnSpc>
@@ -3821,13 +3726,10 @@
             </a:r>
           </a:p>
           <a:p>
-            <a:pPr algn="l">
+            <a:pPr>
               <a:lnSpc>
                 <a:spcPct val="100000"/>
               </a:lnSpc>
-              <a:spcAft>
-                <a:spcPts val="0"/>
-              </a:spcAft>
             </a:pPr>
             <a:r>
               <a:rPr sz="900">
@@ -3843,27 +3745,16 @@
             </a:r>
           </a:p>
           <a:p>
-            <a:pPr>
-              <a:spcBef>
-                <a:spcPts val="0"/>
-              </a:spcBef>
-              <a:spcAft>
-                <a:spcPts val="0"/>
-              </a:spcAft>
-            </a:pPr>
             <a:r>
               <a:rPr sz="900"/>
               <a:t>- provisions Convertible bond accounting</a:t>
             </a:r>
           </a:p>
           <a:p>
-            <a:pPr algn="l">
+            <a:pPr>
               <a:lnSpc>
                 <a:spcPct val="100000"/>
               </a:lnSpc>
-              <a:spcAft>
-                <a:spcPts val="0"/>
-              </a:spcAft>
             </a:pPr>
             <a:r>
               <a:rPr sz="900">
@@ -3879,21 +3770,13 @@
             </a:r>
           </a:p>
           <a:p>
-            <a:pPr>
-              <a:spcBef>
-                <a:spcPts val="0"/>
-              </a:spcBef>
-              <a:spcAft>
-                <a:spcPts val="0"/>
-              </a:spcAft>
-            </a:pPr>
             <a:r>
               <a:rPr sz="900"/>
               <a:t>- Defined benefit obligation calculations - Actuarial gains/losses recognition - Plan asset valuations - Curtailment/settlement accounting - Multi-employer plan disclosures - Post-employment benefits accrual - Termination benefit provisions</a:t>
             </a:r>
           </a:p>
           <a:p>
-            <a:pPr algn="l">
+            <a:pPr>
               <a:lnSpc>
                 <a:spcPct val="100000"/>
               </a:lnSpc>
@@ -3908,13 +3791,10 @@
             </a:r>
           </a:p>
           <a:p>
-            <a:pPr algn="l">
+            <a:pPr>
               <a:lnSpc>
                 <a:spcPct val="100000"/>
               </a:lnSpc>
-              <a:spcAft>
-                <a:spcPts val="0"/>
-              </a:spcAft>
             </a:pPr>
             <a:r>
               <a:rPr sz="900">
@@ -3930,27 +3810,16 @@
             </a:r>
           </a:p>
           <a:p>
-            <a:pPr>
-              <a:spcBef>
-                <a:spcPts val="0"/>
-              </a:spcBef>
-              <a:spcAft>
-                <a:spcPts val="0"/>
-              </a:spcAft>
-            </a:pPr>
             <a:r>
               <a:rPr sz="900"/>
               <a:t>- Par value per share disclosure - Authorized shares vs outstanding - Treasury stock accounting method - Stock split adjustments - Stock option pool reserves - Restricted stock unit accruals - Dividend reinvestment plan shares</a:t>
             </a:r>
           </a:p>
           <a:p>
-            <a:pPr algn="l">
+            <a:pPr>
               <a:lnSpc>
                 <a:spcPct val="100000"/>
               </a:lnSpc>
-              <a:spcAft>
-                <a:spcPts val="0"/>
-              </a:spcAft>
             </a:pPr>
             <a:r>
               <a:rPr sz="900">
@@ -3966,14 +3835,6 @@
             </a:r>
           </a:p>
           <a:p>
-            <a:pPr>
-              <a:spcBef>
-                <a:spcPts val="0"/>
-              </a:spcBef>
-              <a:spcAft>
-                <a:spcPts val="0"/>
-              </a:spcAft>
-            </a:pPr>
             <a:r>
               <a:rPr sz="900"/>
               <a:t>- Prior period adjustments - Dividend declaration accounting - ESOP allocation impacts - Foreign currency translation adjustments - Hedging reserve balances - Revaluation surplus accounts - Accumulated other comprehensive income</a:t>

--- a/final_report.pptx
+++ b/final_report.pptx
@@ -3278,7 +3278,7 @@
             <a:endParaRPr/>
           </a:p>
           <a:p>
-            <a:pPr algn="just">
+            <a:pPr>
               <a:lnSpc>
                 <a:spcPct val="100000"/>
               </a:lnSpc>
@@ -3293,10 +3293,13 @@
             </a:r>
           </a:p>
           <a:p>
-            <a:pPr algn="just">
+            <a:pPr>
               <a:lnSpc>
                 <a:spcPct val="100000"/>
               </a:lnSpc>
+              <a:spcAft>
+                <a:spcPts val="0"/>
+              </a:spcAft>
             </a:pPr>
             <a:r>
               <a:rPr sz="900">
@@ -3310,19 +3313,19 @@
               <a:rPr sz="900" b="1"/>
               <a:t>Cash and Cash Equivalents</a:t>
             </a:r>
-          </a:p>
-          <a:p>
-            <a:pPr algn="just"/>
             <a:r>
               <a:rPr sz="900"/>
-              <a:t>- Currency in checking/savings accounts Short-term - Treasury bills (maturing &lt;3 months) Commercial - paper from AAA-rated corporations Money market - funds with daily liquidity - Petty cash reserves for office expenses Foreign - currency holdings in major currencies Undeposited - checks from customers Cash in transit between bank - accounts</a:t>
-            </a:r>
-          </a:p>
-          <a:p>
-            <a:pPr algn="just">
+              <a:t> - Currency in checking/savings accounts Short-term Treasury bills (maturing &lt;3 months) Commercial paper from AAA-rated corporations Money market funds with daily liquidity Petty cash reserves for office expenses Foreign currency holdings in major currencies Undeposited checks from customers Cash in transit between bank accounts</a:t>
+            </a:r>
+          </a:p>
+          <a:p>
+            <a:pPr>
               <a:lnSpc>
                 <a:spcPct val="100000"/>
               </a:lnSpc>
+              <a:spcAft>
+                <a:spcPts val="0"/>
+              </a:spcAft>
             </a:pPr>
             <a:r>
               <a:rPr sz="900">
@@ -3336,19 +3339,19 @@
               <a:rPr sz="900" b="1"/>
               <a:t>Marketable Securities</a:t>
             </a:r>
-          </a:p>
-          <a:p>
-            <a:pPr algn="just"/>
             <a:r>
               <a:rPr sz="900"/>
-              <a:t>- Corporate bonds with &lt;1yr maturity - Government agency securities Certificates of - deposit (CDs) - Bankers' acceptances Commercial paper holdings - Treasury notes maturing within 12 months - Highly liquid ETF positions</a:t>
-            </a:r>
-          </a:p>
-          <a:p>
-            <a:pPr algn="just">
+              <a:t> - Corporate bonds with &lt;1yr maturity Government agency securities Certificates of deposit (CDs) Bankers' acceptances Commercial paper holdings Treasury notes maturing within 12 months Highly liquid ETF positions</a:t>
+            </a:r>
+          </a:p>
+          <a:p>
+            <a:pPr>
               <a:lnSpc>
                 <a:spcPct val="100000"/>
               </a:lnSpc>
+              <a:spcAft>
+                <a:spcPts val="0"/>
+              </a:spcAft>
             </a:pPr>
             <a:r>
               <a:rPr sz="900">
@@ -3362,16 +3365,13 @@
               <a:rPr sz="900" b="1"/>
               <a:t>Accounts Receivable</a:t>
             </a:r>
-          </a:p>
-          <a:p>
-            <a:pPr algn="just"/>
             <a:r>
               <a:rPr sz="900"/>
-              <a:t>- Trade receivables from normal operations - Installment receivables from long-term contracts - Receivables from affiliated companies - Allowance for doubtful accounts calculation - Aging schedule analysis (30/60/90 days) - Credit memo adjustments - Factored receivables disclosure - Unbilled receivables from progress contracts</a:t>
-            </a:r>
-          </a:p>
-          <a:p>
-            <a:pPr algn="just">
+              <a:t> - Trade receivables from normal operations Installment receivables from long-term contracts Receivables from affiliated companies Allowance for doubtful accounts calculation Aging schedule analysis (30/60/90 days) Credit memo adjustments Factored receivables disclosure Unbilled receivables from progress contracts</a:t>
+            </a:r>
+          </a:p>
+          <a:p>
+            <a:pPr>
               <a:lnSpc>
                 <a:spcPct val="100000"/>
               </a:lnSpc>
@@ -3386,10 +3386,13 @@
             </a:r>
           </a:p>
           <a:p>
-            <a:pPr algn="just">
+            <a:pPr>
               <a:lnSpc>
                 <a:spcPct val="100000"/>
               </a:lnSpc>
+              <a:spcAft>
+                <a:spcPts val="0"/>
+              </a:spcAft>
             </a:pPr>
             <a:r>
               <a:rPr sz="900">
@@ -3403,12 +3406,9 @@
               <a:rPr sz="900" b="1"/>
               <a:t>Property, Plant &amp; Equipment</a:t>
             </a:r>
-          </a:p>
-          <a:p>
-            <a:pPr algn="just"/>
             <a:r>
               <a:rPr sz="900"/>
-              <a:t>- Land acquisition costs (original purchase) - Building improvements capitalization - Machinery installation costs Equipment - depreciation schedules - Leasehold improvement amortization - Construction-in-progress accounts - Capitalized interest during construction</a:t>
+              <a:t> - Land acquisition costs (original purchase) Building improvements capitalization Machinery installation costs Equipment depreciation schedules Leasehold improvement amortization Construction-in-progress accounts Capitalized interest during construction</a:t>
             </a:r>
           </a:p>
         </p:txBody>
@@ -3532,6 +3532,9 @@
               <a:lnSpc>
                 <a:spcPct val="100000"/>
               </a:lnSpc>
+              <a:spcAft>
+                <a:spcPts val="0"/>
+              </a:spcAft>
             </a:pPr>
             <a:r>
               <a:rPr sz="900">
@@ -3545,11 +3548,9 @@
               <a:rPr sz="900" b="1"/>
               <a:t>Intangible Assets</a:t>
             </a:r>
-          </a:p>
-          <a:p>
             <a:r>
               <a:rPr sz="900"/>
-              <a:t>- Patent acquisition and amortization - Trademark registration/maintenance costs - Customer list valuations - Non-compete agreement valuations - Software development costs - Licensing agreements fair value - Goodwill impairment testing methodology</a:t>
+              <a:t> - Patent acquisition and amortization Trademark registration/maintenance costs Customer list valuations Non-compete agreement valuations Software development costs Licensing agreements fair value Goodwill impairment testing methodology</a:t>
             </a:r>
           </a:p>
           <a:p>
@@ -3557,6 +3558,9 @@
               <a:lnSpc>
                 <a:spcPct val="100000"/>
               </a:lnSpc>
+              <a:spcAft>
+                <a:spcPts val="0"/>
+              </a:spcAft>
             </a:pPr>
             <a:r>
               <a:rPr sz="900">
@@ -3570,11 +3574,9 @@
               <a:rPr sz="900" b="1"/>
               <a:t>Long-Term Investments</a:t>
             </a:r>
-          </a:p>
-          <a:p>
             <a:r>
               <a:rPr sz="900"/>
-              <a:t>- Held-to-maturity securities portfolio - Equity method investment accounting - Real estate held for appreciation - Venture capital fund investments - Convertible debt instruments - Restricted stock holdings - Investments in subsidiaries</a:t>
+              <a:t> - Held-to-maturity securities portfolio Equity method investment accounting Real estate held for appreciation Venture capital fund investments Convertible debt instruments Restricted stock holdings Investments in subsidiaries</a:t>
             </a:r>
           </a:p>
           <a:p>
@@ -3597,6 +3599,9 @@
               <a:lnSpc>
                 <a:spcPct val="100000"/>
               </a:lnSpc>
+              <a:spcAft>
+                <a:spcPts val="0"/>
+              </a:spcAft>
             </a:pPr>
             <a:r>
               <a:rPr sz="900">
@@ -3610,11 +3615,9 @@
               <a:rPr sz="900" b="1"/>
               <a:t>Accounts Payable</a:t>
             </a:r>
-          </a:p>
-          <a:p>
             <a:r>
               <a:rPr sz="900"/>
-              <a:t>- Trade payables to suppliers - Accrued purchases for goods received - Third-party processor withholdings Construction - retainage payable - Dividends declared but unpaid - Customer deposits/advance payments - Escheat liability estimates</a:t>
+              <a:t> - Trade payables to suppliers Accrued purchases for goods received Third-party processor withholdings Construction retainage payable Dividends declared but unpaid Customer deposits/advance payments Escheat liability estimates</a:t>
             </a:r>
           </a:p>
           <a:p>
@@ -3622,6 +3625,9 @@
               <a:lnSpc>
                 <a:spcPct val="100000"/>
               </a:lnSpc>
+              <a:spcAft>
+                <a:spcPts val="0"/>
+              </a:spcAft>
             </a:pPr>
             <a:r>
               <a:rPr sz="900">
@@ -3635,11 +3641,9 @@
               <a:rPr sz="900" b="1"/>
               <a:t>Short-Term Debt</a:t>
             </a:r>
-          </a:p>
-          <a:p>
             <a:r>
               <a:rPr sz="900"/>
-              <a:t>- Commercial paper outstanding - Revolving credit facility draws - Current portion of long-term debt - Bank overdraft facilities used - Short-term lease liabilities - Vendor financing arrangements - Convertible debt equity component</a:t>
+              <a:t> - Commercial paper outstanding Revolving credit facility draws Current portion of long-term debt Bank overdraft facilities used Short-term lease liabilities Vendor financing arrangements Convertible debt equity component</a:t>
             </a:r>
           </a:p>
           <a:p>
@@ -3662,6 +3666,9 @@
               <a:lnSpc>
                 <a:spcPct val="100000"/>
               </a:lnSpc>
+              <a:spcAft>
+                <a:spcPts val="0"/>
+              </a:spcAft>
             </a:pPr>
             <a:r>
               <a:rPr sz="900">
@@ -3675,11 +3682,9 @@
               <a:rPr sz="900" b="1"/>
               <a:t>Bonds Payable</a:t>
             </a:r>
-          </a:p>
-          <a:p>
             <a:r>
               <a:rPr sz="900"/>
-              <a:t>- Corporate bond issuance at premium/discount Debenture conversion features Sinking fund requirements Unamortized bond issuance costs Fair value hedge adjustments Callable bond</a:t>
+              <a:t> - Corporate bond issuance at premium/discount Debenture conversion features Sinking fund requirements Unamortized bond issuance costs Fair value hedge adjustments Callable bond</a:t>
             </a:r>
           </a:p>
         </p:txBody>
@@ -3730,6 +3735,9 @@
               <a:lnSpc>
                 <a:spcPct val="100000"/>
               </a:lnSpc>
+              <a:spcAft>
+                <a:spcPts val="0"/>
+              </a:spcAft>
             </a:pPr>
             <a:r>
               <a:rPr sz="900">
@@ -3743,11 +3751,9 @@
               <a:rPr sz="900" b="1"/>
               <a:t>(continued) Bonds Payable</a:t>
             </a:r>
-          </a:p>
-          <a:p>
             <a:r>
               <a:rPr sz="900"/>
-              <a:t>- provisions Convertible bond accounting</a:t>
+              <a:t> - provisions Convertible bond accounting</a:t>
             </a:r>
           </a:p>
           <a:p>
@@ -3755,6 +3761,9 @@
               <a:lnSpc>
                 <a:spcPct val="100000"/>
               </a:lnSpc>
+              <a:spcAft>
+                <a:spcPts val="0"/>
+              </a:spcAft>
             </a:pPr>
             <a:r>
               <a:rPr sz="900">
@@ -3768,11 +3777,9 @@
               <a:rPr sz="900" b="1"/>
               <a:t>Pension Liabilities</a:t>
             </a:r>
-          </a:p>
-          <a:p>
             <a:r>
               <a:rPr sz="900"/>
-              <a:t>- Defined benefit obligation calculations - Actuarial gains/losses recognition - Plan asset valuations - Curtailment/settlement accounting - Multi-employer plan disclosures - Post-employment benefits accrual - Termination benefit provisions</a:t>
+              <a:t> - Defined benefit obligation calculations Actuarial gains/losses recognition Plan asset valuations Curtailment/settlement accounting Multi-employer plan disclosures Post-employment benefits accrual Termination benefit provisions</a:t>
             </a:r>
           </a:p>
           <a:p>
@@ -3795,6 +3802,9 @@
               <a:lnSpc>
                 <a:spcPct val="100000"/>
               </a:lnSpc>
+              <a:spcAft>
+                <a:spcPts val="0"/>
+              </a:spcAft>
             </a:pPr>
             <a:r>
               <a:rPr sz="900">
@@ -3808,11 +3818,9 @@
               <a:rPr sz="900" b="1"/>
               <a:t>Common Stock</a:t>
             </a:r>
-          </a:p>
-          <a:p>
             <a:r>
               <a:rPr sz="900"/>
-              <a:t>- Par value per share disclosure - Authorized shares vs outstanding - Treasury stock accounting method - Stock split adjustments - Stock option pool reserves - Restricted stock unit accruals - Dividend reinvestment plan shares</a:t>
+              <a:t> - Par value per share disclosure Authorized shares vs outstanding Treasury stock accounting method Stock split adjustments Stock option pool reserves Restricted stock unit accruals Dividend reinvestment plan shares</a:t>
             </a:r>
           </a:p>
           <a:p>
@@ -3820,6 +3828,9 @@
               <a:lnSpc>
                 <a:spcPct val="100000"/>
               </a:lnSpc>
+              <a:spcAft>
+                <a:spcPts val="0"/>
+              </a:spcAft>
             </a:pPr>
             <a:r>
               <a:rPr sz="900">
@@ -3833,11 +3844,9 @@
               <a:rPr sz="900" b="1"/>
               <a:t>Retained Earnings</a:t>
             </a:r>
-          </a:p>
-          <a:p>
             <a:r>
               <a:rPr sz="900"/>
-              <a:t>- Prior period adjustments - Dividend declaration accounting - ESOP allocation impacts - Foreign currency translation adjustments - Hedging reserve balances - Revaluation surplus accounts - Accumulated other comprehensive income</a:t>
+              <a:t> - Prior period adjustments Dividend declaration accounting ESOP allocation impacts Foreign currency translation adjustments Hedging reserve balances Revaluation surplus accounts Accumulated other comprehensive income</a:t>
             </a:r>
           </a:p>
         </p:txBody>

--- a/final_report.pptx
+++ b/final_report.pptx
@@ -3313,9 +3313,19 @@
               <a:rPr sz="900" b="1"/>
               <a:t>Cash and Cash Equivalents</a:t>
             </a:r>
+          </a:p>
+          <a:p>
+            <a:pPr>
+              <a:spcBef>
+                <a:spcPts val="0"/>
+              </a:spcBef>
+              <a:spcAft>
+                <a:spcPts val="0"/>
+              </a:spcAft>
+            </a:pPr>
             <a:r>
               <a:rPr sz="900"/>
-              <a:t> - Currency in checking/savings accounts Short-term Treasury bills (maturing &lt;3 months) Commercial paper from AAA-rated corporations Money market funds with daily liquidity Petty cash reserves for office expenses Foreign currency holdings in major currencies Undeposited checks from customers Cash in transit between bank accounts</a:t>
+              <a:t>Currency in checking/savings accounts Short-term Treasury bills (maturing &lt;3 months) Commercial paper from AAA-rated corporations Money market funds with daily liquidity Petty cash reserves for office expenses Foreign currency holdings in major currencies Undeposited checks from customers Cash in transit between bank accounts</a:t>
             </a:r>
           </a:p>
           <a:p>
@@ -3339,9 +3349,19 @@
               <a:rPr sz="900" b="1"/>
               <a:t>Marketable Securities</a:t>
             </a:r>
+          </a:p>
+          <a:p>
+            <a:pPr>
+              <a:spcBef>
+                <a:spcPts val="0"/>
+              </a:spcBef>
+              <a:spcAft>
+                <a:spcPts val="0"/>
+              </a:spcAft>
+            </a:pPr>
             <a:r>
               <a:rPr sz="900"/>
-              <a:t> - Corporate bonds with &lt;1yr maturity Government agency securities Certificates of deposit (CDs) Bankers' acceptances Commercial paper holdings Treasury notes maturing within 12 months Highly liquid ETF positions</a:t>
+              <a:t>Corporate bonds with &lt;1yr maturity Government agency securities Certificates of deposit (CDs) Bankers' acceptances Commercial paper holdings Treasury notes maturing within 12 months Highly liquid ETF positions</a:t>
             </a:r>
           </a:p>
           <a:p>
@@ -3365,9 +3385,19 @@
               <a:rPr sz="900" b="1"/>
               <a:t>Accounts Receivable</a:t>
             </a:r>
+          </a:p>
+          <a:p>
+            <a:pPr>
+              <a:spcBef>
+                <a:spcPts val="0"/>
+              </a:spcBef>
+              <a:spcAft>
+                <a:spcPts val="0"/>
+              </a:spcAft>
+            </a:pPr>
             <a:r>
               <a:rPr sz="900"/>
-              <a:t> - Trade receivables from normal operations Installment receivables from long-term contracts Receivables from affiliated companies Allowance for doubtful accounts calculation Aging schedule analysis (30/60/90 days) Credit memo adjustments Factored receivables disclosure Unbilled receivables from progress contracts</a:t>
+              <a:t>Trade receivables from normal operations Installment receivables from long-term contracts Receivables from affiliated companies Allowance for doubtful accounts calculation Aging schedule analysis (30/60/90 days) Credit memo adjustments Factored receivables disclosure Unbilled receivables from progress contracts</a:t>
             </a:r>
           </a:p>
           <a:p>
@@ -3406,9 +3436,19 @@
               <a:rPr sz="900" b="1"/>
               <a:t>Property, Plant &amp; Equipment</a:t>
             </a:r>
+          </a:p>
+          <a:p>
+            <a:pPr>
+              <a:spcBef>
+                <a:spcPts val="0"/>
+              </a:spcBef>
+              <a:spcAft>
+                <a:spcPts val="0"/>
+              </a:spcAft>
+            </a:pPr>
             <a:r>
               <a:rPr sz="900"/>
-              <a:t> - Land acquisition costs (original purchase) Building improvements capitalization Machinery installation costs Equipment depreciation schedules Leasehold improvement amortization Construction-in-progress accounts Capitalized interest during construction</a:t>
+              <a:t>Land acquisition costs (original purchase) Building improvements capitalization Machinery installation costs Equipment depreciation schedules Leasehold improvement amortization Construction-in-progress accounts Capitalized interest during construction</a:t>
             </a:r>
           </a:p>
         </p:txBody>
@@ -3548,9 +3588,19 @@
               <a:rPr sz="900" b="1"/>
               <a:t>Intangible Assets</a:t>
             </a:r>
+          </a:p>
+          <a:p>
+            <a:pPr>
+              <a:spcBef>
+                <a:spcPts val="0"/>
+              </a:spcBef>
+              <a:spcAft>
+                <a:spcPts val="0"/>
+              </a:spcAft>
+            </a:pPr>
             <a:r>
               <a:rPr sz="900"/>
-              <a:t> - Patent acquisition and amortization Trademark registration/maintenance costs Customer list valuations Non-compete agreement valuations Software development costs Licensing agreements fair value Goodwill impairment testing methodology</a:t>
+              <a:t>Patent acquisition and amortization Trademark registration/maintenance costs Customer list valuations Non-compete agreement valuations Software development costs Licensing agreements fair value Goodwill impairment testing methodology</a:t>
             </a:r>
           </a:p>
           <a:p>
@@ -3574,9 +3624,19 @@
               <a:rPr sz="900" b="1"/>
               <a:t>Long-Term Investments</a:t>
             </a:r>
+          </a:p>
+          <a:p>
+            <a:pPr>
+              <a:spcBef>
+                <a:spcPts val="0"/>
+              </a:spcBef>
+              <a:spcAft>
+                <a:spcPts val="0"/>
+              </a:spcAft>
+            </a:pPr>
             <a:r>
               <a:rPr sz="900"/>
-              <a:t> - Held-to-maturity securities portfolio Equity method investment accounting Real estate held for appreciation Venture capital fund investments Convertible debt instruments Restricted stock holdings Investments in subsidiaries</a:t>
+              <a:t>Held-to-maturity securities portfolio Equity method investment accounting Real estate held for appreciation Venture capital fund investments Convertible debt instruments Restricted stock holdings Investments in subsidiaries</a:t>
             </a:r>
           </a:p>
           <a:p>
@@ -3615,9 +3675,19 @@
               <a:rPr sz="900" b="1"/>
               <a:t>Accounts Payable</a:t>
             </a:r>
+          </a:p>
+          <a:p>
+            <a:pPr>
+              <a:spcBef>
+                <a:spcPts val="0"/>
+              </a:spcBef>
+              <a:spcAft>
+                <a:spcPts val="0"/>
+              </a:spcAft>
+            </a:pPr>
             <a:r>
               <a:rPr sz="900"/>
-              <a:t> - Trade payables to suppliers Accrued purchases for goods received Third-party processor withholdings Construction retainage payable Dividends declared but unpaid Customer deposits/advance payments Escheat liability estimates</a:t>
+              <a:t>Trade payables to suppliers Accrued purchases for goods received Third-party processor withholdings Construction retainage payable Dividends declared but unpaid Customer deposits/advance payments Escheat liability estimates</a:t>
             </a:r>
           </a:p>
           <a:p>
@@ -3641,9 +3711,19 @@
               <a:rPr sz="900" b="1"/>
               <a:t>Short-Term Debt</a:t>
             </a:r>
+          </a:p>
+          <a:p>
+            <a:pPr>
+              <a:spcBef>
+                <a:spcPts val="0"/>
+              </a:spcBef>
+              <a:spcAft>
+                <a:spcPts val="0"/>
+              </a:spcAft>
+            </a:pPr>
             <a:r>
               <a:rPr sz="900"/>
-              <a:t> - Commercial paper outstanding Revolving credit facility draws Current portion of long-term debt Bank overdraft facilities used Short-term lease liabilities Vendor financing arrangements Convertible debt equity component</a:t>
+              <a:t>Commercial paper outstanding Revolving credit facility draws Current portion of long-term debt Bank overdraft facilities used Short-term lease liabilities Vendor financing arrangements Convertible debt equity component</a:t>
             </a:r>
           </a:p>
           <a:p>
@@ -3682,9 +3762,19 @@
               <a:rPr sz="900" b="1"/>
               <a:t>Bonds Payable</a:t>
             </a:r>
+          </a:p>
+          <a:p>
+            <a:pPr>
+              <a:spcBef>
+                <a:spcPts val="0"/>
+              </a:spcBef>
+              <a:spcAft>
+                <a:spcPts val="0"/>
+              </a:spcAft>
+            </a:pPr>
             <a:r>
               <a:rPr sz="900"/>
-              <a:t> - Corporate bond issuance at premium/discount Debenture conversion features Sinking fund requirements Unamortized bond issuance costs Fair value hedge adjustments Callable bond</a:t>
+              <a:t>Corporate bond issuance at premium/discount Debenture conversion features Sinking fund requirements Unamortized bond issuance costs Fair value hedge adjustments Callable bond</a:t>
             </a:r>
           </a:p>
         </p:txBody>
@@ -3751,9 +3841,19 @@
               <a:rPr sz="900" b="1"/>
               <a:t>(continued) Bonds Payable</a:t>
             </a:r>
+          </a:p>
+          <a:p>
+            <a:pPr>
+              <a:spcBef>
+                <a:spcPts val="0"/>
+              </a:spcBef>
+              <a:spcAft>
+                <a:spcPts val="0"/>
+              </a:spcAft>
+            </a:pPr>
             <a:r>
               <a:rPr sz="900"/>
-              <a:t> - provisions Convertible bond accounting</a:t>
+              <a:t>provisions Convertible bond accounting</a:t>
             </a:r>
           </a:p>
           <a:p>
@@ -3777,9 +3877,19 @@
               <a:rPr sz="900" b="1"/>
               <a:t>Pension Liabilities</a:t>
             </a:r>
+          </a:p>
+          <a:p>
+            <a:pPr>
+              <a:spcBef>
+                <a:spcPts val="0"/>
+              </a:spcBef>
+              <a:spcAft>
+                <a:spcPts val="0"/>
+              </a:spcAft>
+            </a:pPr>
             <a:r>
               <a:rPr sz="900"/>
-              <a:t> - Defined benefit obligation calculations Actuarial gains/losses recognition Plan asset valuations Curtailment/settlement accounting Multi-employer plan disclosures Post-employment benefits accrual Termination benefit provisions</a:t>
+              <a:t>Defined benefit obligation calculations Actuarial gains/losses recognition Plan asset valuations Curtailment/settlement accounting Multi-employer plan disclosures Post-employment benefits accrual Termination benefit provisions</a:t>
             </a:r>
           </a:p>
           <a:p>
@@ -3818,9 +3928,19 @@
               <a:rPr sz="900" b="1"/>
               <a:t>Common Stock</a:t>
             </a:r>
+          </a:p>
+          <a:p>
+            <a:pPr>
+              <a:spcBef>
+                <a:spcPts val="0"/>
+              </a:spcBef>
+              <a:spcAft>
+                <a:spcPts val="0"/>
+              </a:spcAft>
+            </a:pPr>
             <a:r>
               <a:rPr sz="900"/>
-              <a:t> - Par value per share disclosure Authorized shares vs outstanding Treasury stock accounting method Stock split adjustments Stock option pool reserves Restricted stock unit accruals Dividend reinvestment plan shares</a:t>
+              <a:t>Par value per share disclosure Authorized shares vs outstanding Treasury stock accounting method Stock split adjustments Stock option pool reserves Restricted stock unit accruals Dividend reinvestment plan shares</a:t>
             </a:r>
           </a:p>
           <a:p>
@@ -3844,9 +3964,19 @@
               <a:rPr sz="900" b="1"/>
               <a:t>Retained Earnings</a:t>
             </a:r>
+          </a:p>
+          <a:p>
+            <a:pPr>
+              <a:spcBef>
+                <a:spcPts val="0"/>
+              </a:spcBef>
+              <a:spcAft>
+                <a:spcPts val="0"/>
+              </a:spcAft>
+            </a:pPr>
             <a:r>
               <a:rPr sz="900"/>
-              <a:t> - Prior period adjustments Dividend declaration accounting ESOP allocation impacts Foreign currency translation adjustments Hedging reserve balances Revaluation surplus accounts Accumulated other comprehensive income</a:t>
+              <a:t>Prior period adjustments Dividend declaration accounting ESOP allocation impacts Foreign currency translation adjustments Hedging reserve balances Revaluation surplus accounts Accumulated other comprehensive income</a:t>
             </a:r>
           </a:p>
         </p:txBody>

--- a/final_report.pptx
+++ b/final_report.pptx
@@ -3315,7 +3315,7 @@
             </a:r>
           </a:p>
           <a:p>
-            <a:pPr>
+            <a:pPr algn="just">
               <a:spcBef>
                 <a:spcPts val="0"/>
               </a:spcBef>
@@ -3351,7 +3351,7 @@
             </a:r>
           </a:p>
           <a:p>
-            <a:pPr>
+            <a:pPr algn="just">
               <a:spcBef>
                 <a:spcPts val="0"/>
               </a:spcBef>
@@ -3387,7 +3387,7 @@
             </a:r>
           </a:p>
           <a:p>
-            <a:pPr>
+            <a:pPr algn="just">
               <a:spcBef>
                 <a:spcPts val="0"/>
               </a:spcBef>
@@ -3438,7 +3438,7 @@
             </a:r>
           </a:p>
           <a:p>
-            <a:pPr>
+            <a:pPr algn="just">
               <a:spcBef>
                 <a:spcPts val="0"/>
               </a:spcBef>
@@ -3590,7 +3590,7 @@
             </a:r>
           </a:p>
           <a:p>
-            <a:pPr>
+            <a:pPr algn="just">
               <a:spcBef>
                 <a:spcPts val="0"/>
               </a:spcBef>
@@ -3626,7 +3626,7 @@
             </a:r>
           </a:p>
           <a:p>
-            <a:pPr>
+            <a:pPr algn="just">
               <a:spcBef>
                 <a:spcPts val="0"/>
               </a:spcBef>
@@ -3677,7 +3677,7 @@
             </a:r>
           </a:p>
           <a:p>
-            <a:pPr>
+            <a:pPr algn="just">
               <a:spcBef>
                 <a:spcPts val="0"/>
               </a:spcBef>
@@ -3713,7 +3713,7 @@
             </a:r>
           </a:p>
           <a:p>
-            <a:pPr>
+            <a:pPr algn="just">
               <a:spcBef>
                 <a:spcPts val="0"/>
               </a:spcBef>
@@ -3764,7 +3764,7 @@
             </a:r>
           </a:p>
           <a:p>
-            <a:pPr>
+            <a:pPr algn="just">
               <a:spcBef>
                 <a:spcPts val="0"/>
               </a:spcBef>
@@ -3843,7 +3843,7 @@
             </a:r>
           </a:p>
           <a:p>
-            <a:pPr>
+            <a:pPr algn="just">
               <a:spcBef>
                 <a:spcPts val="0"/>
               </a:spcBef>
@@ -3879,7 +3879,7 @@
             </a:r>
           </a:p>
           <a:p>
-            <a:pPr>
+            <a:pPr algn="just">
               <a:spcBef>
                 <a:spcPts val="0"/>
               </a:spcBef>
@@ -3930,7 +3930,7 @@
             </a:r>
           </a:p>
           <a:p>
-            <a:pPr>
+            <a:pPr algn="just">
               <a:spcBef>
                 <a:spcPts val="0"/>
               </a:spcBef>
@@ -3966,7 +3966,7 @@
             </a:r>
           </a:p>
           <a:p>
-            <a:pPr>
+            <a:pPr algn="just">
               <a:spcBef>
                 <a:spcPts val="0"/>
               </a:spcBef>

--- a/final_report.pptx
+++ b/final_report.pptx
@@ -7,6 +7,7 @@
   <p:sldIdLst>
     <p:sldId id="256" r:id="rId2"/>
     <p:sldId id="257" r:id="rId3"/>
+    <p:sldId id="258" r:id="rId4"/>
   </p:sldIdLst>
   <p:sldSz cx="9144000" cy="6858000" type="screen4x3"/>
   <p:notesSz cx="6858000" cy="9144000"/>
@@ -3496,7 +3497,7 @@
                 </a:solidFill>
                 <a:latin typeface="Arial"/>
               </a:rPr>
-              <a:t>The company demonstrates strong financial health with total assets of $180 million, liabilities of $75 million, and shareholders' equity of $105 million. Current assets including $45 million cash and $30 million receivables provide ample liquidity to cover short-term obligations of $50 million. Long-term investments in property and equipment total $90 million, supported by conservative debt levels with a debt-to-equity ratio of 0.71. Retained earnings of $80 million reflect consistent profitability and prudent dividend policies. The balance sheet structure</a:t>
+              <a:t>The company demonstrates strong financial health with total assets of $180 million, liabilities of $75 million, and shareholders' equity of $105 million. Current assets including $45 million cash and $30 million receivables provide ample liquidity to cover short-term obligations of $50 million. Long-term investments in property and equipment total $90 million, supported by</a:t>
             </a:r>
           </a:p>
         </p:txBody>
@@ -3731,21 +3732,6 @@
               <a:lnSpc>
                 <a:spcPct val="100000"/>
               </a:lnSpc>
-            </a:pPr>
-            <a:r>
-              <a:rPr sz="900" b="1">
-                <a:solidFill>
-                  <a:srgbClr val="003296"/>
-                </a:solidFill>
-              </a:rPr>
-              <a:t>Long-Term Liabilities</a:t>
-            </a:r>
-          </a:p>
-          <a:p>
-            <a:pPr>
-              <a:lnSpc>
-                <a:spcPct val="100000"/>
-              </a:lnSpc>
               <a:spcAft>
                 <a:spcPts val="0"/>
               </a:spcAft>
@@ -3760,7 +3746,7 @@
             </a:r>
             <a:r>
               <a:rPr sz="900" b="1"/>
-              <a:t>Bonds Payable</a:t>
+              <a:t>Taxes payables</a:t>
             </a:r>
           </a:p>
           <a:p>
@@ -3774,7 +3760,7 @@
             </a:pPr>
             <a:r>
               <a:rPr sz="900"/>
-              <a:t>Corporate bond issuance at premium/discount Debenture conversion features Sinking fund requirements Unamortized bond issuance costs Fair value hedge adjustments Callable bond</a:t>
+              <a:t>balance as at 30 September 2022 represented CNY ============================= Tax Payable Overview ============================================= For xxxx, the following significant</a:t>
             </a:r>
           </a:p>
         </p:txBody>
@@ -3817,7 +3803,7 @@
                   <a:srgbClr val="003296"/>
                 </a:solidFill>
               </a:rPr>
-              <a:t>Long-Term Liabilities (continued)</a:t>
+              <a:t>Current Liabilities (continued)</a:t>
             </a:r>
           </a:p>
           <a:p>
@@ -3839,7 +3825,7 @@
             </a:r>
             <a:r>
               <a:rPr sz="900" b="1"/>
-              <a:t>(continued) Bonds Payable</a:t>
+              <a:t>Taxes payables (continued)</a:t>
             </a:r>
           </a:p>
           <a:p>
@@ -3853,7 +3839,22 @@
             </a:pPr>
             <a:r>
               <a:rPr sz="900"/>
-              <a:t>provisions Convertible bond accounting</a:t>
+              <a:t>tax payable figures have been reported as of the most recent available date: - Property Tax:   - 2020: CNY xxx.xx million   - 2021: CNY xxx.xx million   - 2022: CNY xxx.xx million - Land Use Tax:   - 2020: CNY xxx.xx million   - 2021: CNY xxx.xx million   - 2022: CNY xxx.xx million - Total Tax Payable:   - 2020: CNY xxx.xx million   - 2021: CNY xxx.xx million   - 2022: CNY xxx.xx million These figures refect the company's tax obligations across the specified periods, important for financial audits and management accounting purporses, million.</a:t>
+            </a:r>
+          </a:p>
+          <a:p>
+            <a:pPr>
+              <a:lnSpc>
+                <a:spcPct val="100000"/>
+              </a:lnSpc>
+            </a:pPr>
+            <a:r>
+              <a:rPr sz="900" b="1">
+                <a:solidFill>
+                  <a:srgbClr val="003296"/>
+                </a:solidFill>
+              </a:rPr>
+              <a:t>Long-Term Liabilities</a:t>
             </a:r>
           </a:p>
           <a:p>
@@ -3875,7 +3876,7 @@
             </a:r>
             <a:r>
               <a:rPr sz="900" b="1"/>
-              <a:t>Pension Liabilities</a:t>
+              <a:t>Bonds Payable</a:t>
             </a:r>
           </a:p>
           <a:p>
@@ -3889,22 +3890,7 @@
             </a:pPr>
             <a:r>
               <a:rPr sz="900"/>
-              <a:t>Defined benefit obligation calculations Actuarial gains/losses recognition Plan asset valuations Curtailment/settlement accounting Multi-employer plan disclosures Post-employment benefits accrual Termination benefit provisions</a:t>
-            </a:r>
-          </a:p>
-          <a:p>
-            <a:pPr>
-              <a:lnSpc>
-                <a:spcPct val="100000"/>
-              </a:lnSpc>
-            </a:pPr>
-            <a:r>
-              <a:rPr sz="900" b="1">
-                <a:solidFill>
-                  <a:srgbClr val="003296"/>
-                </a:solidFill>
-              </a:rPr>
-              <a:t>Shareholders' Equity</a:t>
+              <a:t>Corporate bond issuance at premium/discount Debenture conversion features Sinking fund requirements Unamortized bond issuance costs Fair value hedge adjustments Callable bond provisions Convertible bond accounting</a:t>
             </a:r>
           </a:p>
           <a:p>
@@ -3926,7 +3912,7 @@
             </a:r>
             <a:r>
               <a:rPr sz="900" b="1"/>
-              <a:t>Common Stock</a:t>
+              <a:t>Pension Liabilities</a:t>
             </a:r>
           </a:p>
           <a:p>
@@ -3940,7 +3926,22 @@
             </a:pPr>
             <a:r>
               <a:rPr sz="900"/>
-              <a:t>Par value per share disclosure Authorized shares vs outstanding Treasury stock accounting method Stock split adjustments Stock option pool reserves Restricted stock unit accruals Dividend reinvestment plan shares</a:t>
+              <a:t>Defined benefit obligation calculations Actuarial gains/losses recognition Plan asset valuations Curtailment/settlement accounting Multi-employer plan disclosures Post-employment benefits accrual Termination benefit provisions</a:t>
+            </a:r>
+          </a:p>
+          <a:p>
+            <a:pPr>
+              <a:lnSpc>
+                <a:spcPct val="100000"/>
+              </a:lnSpc>
+            </a:pPr>
+            <a:r>
+              <a:rPr sz="900" b="1">
+                <a:solidFill>
+                  <a:srgbClr val="003296"/>
+                </a:solidFill>
+              </a:rPr>
+              <a:t>Shareholders' Equity</a:t>
             </a:r>
           </a:p>
           <a:p>
@@ -3962,7 +3963,7 @@
             </a:r>
             <a:r>
               <a:rPr sz="900" b="1"/>
-              <a:t>Retained Earnings</a:t>
+              <a:t>Common Stock</a:t>
             </a:r>
           </a:p>
           <a:p>
@@ -3976,7 +3977,7 @@
             </a:pPr>
             <a:r>
               <a:rPr sz="900"/>
-              <a:t>Prior period adjustments Dividend declaration accounting ESOP allocation impacts Foreign currency translation adjustments Hedging reserve balances Revaluation surplus accounts Accumulated other comprehensive income</a:t>
+              <a:t>Par value per share disclosure Authorized shares vs outstanding Treasury stock accounting method Stock split adjustments Stock option pool reserves Restricted stock unit accruals</a:t>
             </a:r>
           </a:p>
         </p:txBody>
@@ -4024,12 +4025,251 @@
                 </a:solidFill>
                 <a:latin typeface="Arial"/>
               </a:rPr>
-              <a:t>shows optimal asset allocation with 60% long-term investments and 40% working capital. Financial ratios indicate robust solvency with current ratio of 2.4 and quick ratio of 1.8. Equity growth of 12% year-over-year demonstrates sustainable value creation. Conservative accounting practices ensure asset valuations remain realistic, while liability management maintains healthy interest coverage. Overall, the balance sheet positions the company for strategic investments while maintaining financial stability.</a:t>
+              <a:t>conservative debt levels with a debt-to-equity ratio of 0.71. Retained earnings of $80 million reflect consistent profitability and prudent dividend policies. The balance sheet structure shows optimal asset allocation with 60% long-term investments and 40% working capital. Financial ratios indicate robust solvency with current ratio of 2.4 and quick ratio of 1.8. Equity growth of</a:t>
             </a:r>
           </a:p>
         </p:txBody>
       </p:sp>
     </p:spTree>
+  </p:cSld>
+  <p:clrMapOvr>
+    <a:masterClrMapping/>
+  </p:clrMapOvr>
+</p:sld>
+</file>
+
+<file path=ppt/slides/slide3.xml><?xml version="1.0" encoding="utf-8"?>
+<p:sld xmlns:a="http://schemas.openxmlformats.org/drawingml/2006/main" xmlns:r="http://schemas.openxmlformats.org/officeDocument/2006/relationships" xmlns:p="http://schemas.openxmlformats.org/presentationml/2006/main">
+  <p:cSld>
+    <p:spTree>
+      <p:nvGrpSpPr>
+        <p:cNvPr id="1" name="">
+          <a:extLst>
+            <a:ext uri="{FF2B5EF4-FFF2-40B4-BE49-F238E27FC236}">
+              <a16:creationId xmlns:a16="http://schemas.microsoft.com/office/drawing/2014/main" id="{CE63F516-311F-D767-B24F-995465FE17DA}"/>
+            </a:ext>
+          </a:extLst>
+        </p:cNvPr>
+        <p:cNvGrpSpPr/>
+        <p:nvPr/>
+      </p:nvGrpSpPr>
+      <p:grpSpPr>
+        <a:xfrm>
+          <a:off x="0" y="0"/>
+          <a:ext cx="0" cy="0"/>
+          <a:chOff x="0" y="0"/>
+          <a:chExt cx="0" cy="0"/>
+        </a:xfrm>
+      </p:grpSpPr>
+      <p:sp>
+        <p:nvSpPr>
+          <p:cNvPr id="2" name="textMainBullets_L">
+            <a:extLst>
+              <a:ext uri="{FF2B5EF4-FFF2-40B4-BE49-F238E27FC236}">
+                <a16:creationId xmlns:a16="http://schemas.microsoft.com/office/drawing/2014/main" id="{1609B9C4-EE89-F835-8C6C-3911F99337A6}"/>
+              </a:ext>
+            </a:extLst>
+          </p:cNvPr>
+          <p:cNvSpPr txBox="1">
+            <a:spLocks noChangeAspect="1"/>
+          </p:cNvSpPr>
+          <p:nvPr/>
+        </p:nvSpPr>
+        <p:spPr>
+          <a:xfrm>
+            <a:off x="457200" y="914400"/>
+            <a:ext cx="3657600" cy="4572000"/>
+          </a:xfrm>
+          <a:prstGeom prst="rect">
+            <a:avLst/>
+          </a:prstGeom>
+          <a:noFill/>
+        </p:spPr>
+        <p:txBody>
+          <a:bodyPr wrap="square">
+            <a:spAutoFit/>
+          </a:bodyPr>
+          <a:lstStyle/>
+          <a:p>
+            <a:endParaRPr/>
+          </a:p>
+          <a:p>
+            <a:pPr>
+              <a:lnSpc>
+                <a:spcPct val="100000"/>
+              </a:lnSpc>
+            </a:pPr>
+            <a:r>
+              <a:rPr sz="900" b="1">
+                <a:solidFill>
+                  <a:srgbClr val="003296"/>
+                </a:solidFill>
+              </a:rPr>
+              <a:t>Shareholders' Equity (continued)</a:t>
+            </a:r>
+          </a:p>
+          <a:p>
+            <a:pPr>
+              <a:lnSpc>
+                <a:spcPct val="100000"/>
+              </a:lnSpc>
+              <a:spcAft>
+                <a:spcPts val="0"/>
+              </a:spcAft>
+            </a:pPr>
+            <a:r>
+              <a:rPr sz="900">
+                <a:solidFill>
+                  <a:srgbClr val="A9A9A9"/>
+                </a:solidFill>
+              </a:rPr>
+              <a:t>■ </a:t>
+            </a:r>
+            <a:r>
+              <a:rPr sz="900" b="1"/>
+              <a:t>Common Stock (continued)</a:t>
+            </a:r>
+          </a:p>
+          <a:p>
+            <a:pPr algn="just">
+              <a:spcBef>
+                <a:spcPts val="0"/>
+              </a:spcBef>
+              <a:spcAft>
+                <a:spcPts val="0"/>
+              </a:spcAft>
+            </a:pPr>
+            <a:r>
+              <a:rPr sz="900"/>
+              <a:t>Dividend reinvestment plan shares</a:t>
+            </a:r>
+          </a:p>
+          <a:p>
+            <a:pPr>
+              <a:lnSpc>
+                <a:spcPct val="100000"/>
+              </a:lnSpc>
+              <a:spcAft>
+                <a:spcPts val="0"/>
+              </a:spcAft>
+            </a:pPr>
+            <a:r>
+              <a:rPr sz="900">
+                <a:solidFill>
+                  <a:srgbClr val="A9A9A9"/>
+                </a:solidFill>
+              </a:rPr>
+              <a:t>■ </a:t>
+            </a:r>
+            <a:r>
+              <a:rPr sz="900" b="1"/>
+              <a:t>Retained Earnings</a:t>
+            </a:r>
+          </a:p>
+          <a:p>
+            <a:pPr algn="just">
+              <a:spcBef>
+                <a:spcPts val="0"/>
+              </a:spcBef>
+              <a:spcAft>
+                <a:spcPts val="0"/>
+              </a:spcAft>
+            </a:pPr>
+            <a:r>
+              <a:rPr sz="900"/>
+              <a:t>Prior period adjustments Dividend declaration accounting ESOP allocation impacts Foreign currency translation adjustments Hedging reserve balances Revaluation surplus accounts Accumulated other comprehensive income</a:t>
+            </a:r>
+          </a:p>
+        </p:txBody>
+      </p:sp>
+      <p:sp>
+        <p:nvSpPr>
+          <p:cNvPr id="3" name="textMainBullets_R">
+            <a:extLst>
+              <a:ext uri="{FF2B5EF4-FFF2-40B4-BE49-F238E27FC236}">
+                <a16:creationId xmlns:a16="http://schemas.microsoft.com/office/drawing/2014/main" id="{F60AF44C-28D9-CB30-1E6A-5560CDC42493}"/>
+              </a:ext>
+            </a:extLst>
+          </p:cNvPr>
+          <p:cNvSpPr txBox="1">
+            <a:spLocks noChangeAspect="1"/>
+          </p:cNvSpPr>
+          <p:nvPr/>
+        </p:nvSpPr>
+        <p:spPr>
+          <a:xfrm>
+            <a:off x="4297680" y="914400"/>
+            <a:ext cx="3657600" cy="4572000"/>
+          </a:xfrm>
+          <a:prstGeom prst="rect">
+            <a:avLst/>
+          </a:prstGeom>
+          <a:noFill/>
+        </p:spPr>
+        <p:txBody>
+          <a:bodyPr wrap="none">
+            <a:spAutoFit/>
+          </a:bodyPr>
+          <a:lstStyle/>
+          <a:p>
+            <a:endParaRPr/>
+          </a:p>
+        </p:txBody>
+      </p:sp>
+      <p:sp>
+        <p:nvSpPr>
+          <p:cNvPr id="4" name="coSummaryShape">
+            <a:extLst>
+              <a:ext uri="{FF2B5EF4-FFF2-40B4-BE49-F238E27FC236}">
+                <a16:creationId xmlns:a16="http://schemas.microsoft.com/office/drawing/2014/main" id="{C5A92A6B-EC0E-CF82-0A24-3DC1BB0BCAC0}"/>
+              </a:ext>
+            </a:extLst>
+          </p:cNvPr>
+          <p:cNvSpPr txBox="1">
+            <a:spLocks noChangeAspect="1"/>
+          </p:cNvSpPr>
+          <p:nvPr/>
+        </p:nvSpPr>
+        <p:spPr>
+          <a:xfrm>
+            <a:off x="668867" y="592666"/>
+            <a:ext cx="2853266" cy="5223934"/>
+          </a:xfrm>
+          <a:prstGeom prst="rect">
+            <a:avLst/>
+          </a:prstGeom>
+          <a:solidFill>
+            <a:schemeClr val="tx2"/>
+          </a:solidFill>
+        </p:spPr>
+        <p:txBody>
+          <a:bodyPr wrap="square" lIns="64008" rIns="64008" anchor="t">
+            <a:spAutoFit/>
+          </a:bodyPr>
+          <a:lstStyle/>
+          <a:p>
+            <a:endParaRPr/>
+          </a:p>
+          <a:p>
+            <a:pPr algn="just"/>
+            <a:r>
+              <a:rPr sz="900" b="1">
+                <a:solidFill>
+                  <a:srgbClr val="FFFFFF"/>
+                </a:solidFill>
+                <a:latin typeface="Arial"/>
+              </a:rPr>
+              <a:t>12% year-over-year demonstrates sustainable value creation. Conservative accounting practices ensure asset valuations remain realistic, while liability management maintains healthy interest coverage. Overall, the balance sheet positions the company for strategic investments while maintaining financial stability.</a:t>
+            </a:r>
+          </a:p>
+        </p:txBody>
+      </p:sp>
+    </p:spTree>
+    <p:extLst>
+      <p:ext uri="{BB962C8B-B14F-4D97-AF65-F5344CB8AC3E}">
+        <p14:creationId xmlns:p14="http://schemas.microsoft.com/office/powerpoint/2010/main" val="3390904393"/>
+      </p:ext>
+    </p:extLst>
   </p:cSld>
   <p:clrMapOvr>
     <a:masterClrMapping/>
